--- a/HW4/HW4_pingpong.pptx
+++ b/HW4/HW4_pingpong.pptx
@@ -246,7 +246,7 @@
               <a:rPr lang="zh-TW" altLang="en-US" smtClean="0">
                 <a:ea typeface="標楷體" panose="03000509000000000000" pitchFamily="65" charset="-120"/>
               </a:rPr>
-              <a:t>2024/11/19</a:t>
+              <a:t>2025/1/8</a:t>
             </a:fld>
             <a:endParaRPr lang="zh-TW" altLang="en-US">
               <a:ea typeface="標楷體" panose="03000509000000000000" pitchFamily="65" charset="-120"/>
@@ -4528,7 +4528,7 @@
             <a:fld id="{2CB905C5-9D54-40E2-B40C-7996280CAB02}" type="datetimeFigureOut">
               <a:rPr lang="zh-TW" altLang="en-US" smtClean="0"/>
               <a:pPr/>
-              <a:t>2024/11/19</a:t>
+              <a:t>2025/1/8</a:t>
             </a:fld>
             <a:endParaRPr lang="zh-TW" altLang="en-US"/>
           </a:p>
@@ -4934,7 +4934,7 @@
           <a:p>
             <a:fld id="{0C0CC965-A63A-473D-BEFB-C8F9714D5269}" type="datetimeFigureOut">
               <a:rPr lang="zh-TW" altLang="en-US" smtClean="0"/>
-              <a:t>2024/11/19</a:t>
+              <a:t>2025/1/8</a:t>
             </a:fld>
             <a:endParaRPr lang="zh-TW" altLang="en-US"/>
           </a:p>
@@ -5102,7 +5102,7 @@
           <a:p>
             <a:fld id="{0C0CC965-A63A-473D-BEFB-C8F9714D5269}" type="datetimeFigureOut">
               <a:rPr lang="zh-TW" altLang="en-US" smtClean="0"/>
-              <a:t>2024/11/19</a:t>
+              <a:t>2025/1/8</a:t>
             </a:fld>
             <a:endParaRPr lang="zh-TW" altLang="en-US"/>
           </a:p>
@@ -5280,7 +5280,7 @@
           <a:p>
             <a:fld id="{0C0CC965-A63A-473D-BEFB-C8F9714D5269}" type="datetimeFigureOut">
               <a:rPr lang="zh-TW" altLang="en-US" smtClean="0"/>
-              <a:t>2024/11/19</a:t>
+              <a:t>2025/1/8</a:t>
             </a:fld>
             <a:endParaRPr lang="zh-TW" altLang="en-US"/>
           </a:p>
@@ -5475,7 +5475,7 @@
           <a:p>
             <a:fld id="{0C0CC965-A63A-473D-BEFB-C8F9714D5269}" type="datetimeFigureOut">
               <a:rPr lang="zh-TW" altLang="en-US" smtClean="0"/>
-              <a:t>2024/11/19</a:t>
+              <a:t>2025/1/8</a:t>
             </a:fld>
             <a:endParaRPr lang="zh-TW" altLang="en-US"/>
           </a:p>
@@ -5720,7 +5720,7 @@
           <a:p>
             <a:fld id="{0C0CC965-A63A-473D-BEFB-C8F9714D5269}" type="datetimeFigureOut">
               <a:rPr lang="zh-TW" altLang="en-US" smtClean="0"/>
-              <a:t>2024/11/19</a:t>
+              <a:t>2025/1/8</a:t>
             </a:fld>
             <a:endParaRPr lang="zh-TW" altLang="en-US"/>
           </a:p>
@@ -5949,7 +5949,7 @@
           <a:p>
             <a:fld id="{0C0CC965-A63A-473D-BEFB-C8F9714D5269}" type="datetimeFigureOut">
               <a:rPr lang="zh-TW" altLang="en-US" smtClean="0"/>
-              <a:t>2024/11/19</a:t>
+              <a:t>2025/1/8</a:t>
             </a:fld>
             <a:endParaRPr lang="zh-TW" altLang="en-US"/>
           </a:p>
@@ -6313,7 +6313,7 @@
           <a:p>
             <a:fld id="{0C0CC965-A63A-473D-BEFB-C8F9714D5269}" type="datetimeFigureOut">
               <a:rPr lang="zh-TW" altLang="en-US" smtClean="0"/>
-              <a:t>2024/11/19</a:t>
+              <a:t>2025/1/8</a:t>
             </a:fld>
             <a:endParaRPr lang="zh-TW" altLang="en-US"/>
           </a:p>
@@ -6430,7 +6430,7 @@
           <a:p>
             <a:fld id="{0C0CC965-A63A-473D-BEFB-C8F9714D5269}" type="datetimeFigureOut">
               <a:rPr lang="zh-TW" altLang="en-US" smtClean="0"/>
-              <a:t>2024/11/19</a:t>
+              <a:t>2025/1/8</a:t>
             </a:fld>
             <a:endParaRPr lang="zh-TW" altLang="en-US"/>
           </a:p>
@@ -6525,7 +6525,7 @@
           <a:p>
             <a:fld id="{0C0CC965-A63A-473D-BEFB-C8F9714D5269}" type="datetimeFigureOut">
               <a:rPr lang="zh-TW" altLang="en-US" smtClean="0"/>
-              <a:t>2024/11/19</a:t>
+              <a:t>2025/1/8</a:t>
             </a:fld>
             <a:endParaRPr lang="zh-TW" altLang="en-US"/>
           </a:p>
@@ -6800,7 +6800,7 @@
           <a:p>
             <a:fld id="{0C0CC965-A63A-473D-BEFB-C8F9714D5269}" type="datetimeFigureOut">
               <a:rPr lang="zh-TW" altLang="en-US" smtClean="0"/>
-              <a:t>2024/11/19</a:t>
+              <a:t>2025/1/8</a:t>
             </a:fld>
             <a:endParaRPr lang="zh-TW" altLang="en-US"/>
           </a:p>
@@ -7052,7 +7052,7 @@
           <a:p>
             <a:fld id="{0C0CC965-A63A-473D-BEFB-C8F9714D5269}" type="datetimeFigureOut">
               <a:rPr lang="zh-TW" altLang="en-US" smtClean="0"/>
-              <a:t>2024/11/19</a:t>
+              <a:t>2025/1/8</a:t>
             </a:fld>
             <a:endParaRPr lang="zh-TW" altLang="en-US"/>
           </a:p>
@@ -7266,7 +7266,7 @@
             <a:fld id="{0C0CC965-A63A-473D-BEFB-C8F9714D5269}" type="datetimeFigureOut">
               <a:rPr lang="zh-TW" altLang="en-US" smtClean="0"/>
               <a:pPr/>
-              <a:t>2024/11/19</a:t>
+              <a:t>2025/1/8</a:t>
             </a:fld>
             <a:endParaRPr lang="zh-TW" altLang="en-US"/>
           </a:p>
@@ -7800,14 +7800,17 @@
           <a:p>
             <a:r>
               <a:rPr lang="en-US" altLang="zh-TW" dirty="0"/>
-              <a:t>HW4</a:t>
-            </a:r>
-            <a:endParaRPr lang="zh-TW" altLang="en-US" dirty="0"/>
+              <a:t>HW4-</a:t>
+            </a:r>
+            <a:r>
+              <a:rPr lang="zh-TW" altLang="en-US" dirty="0"/>
+              <a:t>乒乓</a:t>
+            </a:r>
           </a:p>
         </p:txBody>
       </p:sp>
-      <mc:AlternateContent xmlns:mc="http://schemas.openxmlformats.org/markup-compatibility/2006">
-        <mc:Choice xmlns:p14="http://schemas.microsoft.com/office/powerpoint/2010/main" Requires="p14">
+      <mc:AlternateContent xmlns:mc="http://schemas.openxmlformats.org/markup-compatibility/2006" xmlns:p14="http://schemas.microsoft.com/office/powerpoint/2010/main">
+        <mc:Choice Requires="p14">
           <p:contentPart p14:bwMode="auto" r:id="rId2">
             <p14:nvContentPartPr>
               <p14:cNvPr id="26" name="筆跡 25">
@@ -7826,7 +7829,7 @@
             </p14:xfrm>
           </p:contentPart>
         </mc:Choice>
-        <mc:Fallback>
+        <mc:Fallback xmlns="">
           <p:pic>
             <p:nvPicPr>
               <p:cNvPr id="26" name="筆跡 25">
@@ -7857,8 +7860,8 @@
           </p:pic>
         </mc:Fallback>
       </mc:AlternateContent>
-      <mc:AlternateContent xmlns:mc="http://schemas.openxmlformats.org/markup-compatibility/2006">
-        <mc:Choice xmlns:p14="http://schemas.microsoft.com/office/powerpoint/2010/main" Requires="p14">
+      <mc:AlternateContent xmlns:mc="http://schemas.openxmlformats.org/markup-compatibility/2006" xmlns:p14="http://schemas.microsoft.com/office/powerpoint/2010/main">
+        <mc:Choice Requires="p14">
           <p:contentPart p14:bwMode="auto" r:id="rId4">
             <p14:nvContentPartPr>
               <p14:cNvPr id="136" name="筆跡 135">
@@ -7877,7 +7880,7 @@
             </p14:xfrm>
           </p:contentPart>
         </mc:Choice>
-        <mc:Fallback>
+        <mc:Fallback xmlns="">
           <p:pic>
             <p:nvPicPr>
               <p:cNvPr id="136" name="筆跡 135">
@@ -7908,8 +7911,8 @@
           </p:pic>
         </mc:Fallback>
       </mc:AlternateContent>
-      <mc:AlternateContent xmlns:mc="http://schemas.openxmlformats.org/markup-compatibility/2006">
-        <mc:Choice xmlns:p14="http://schemas.microsoft.com/office/powerpoint/2010/main" Requires="p14">
+      <mc:AlternateContent xmlns:mc="http://schemas.openxmlformats.org/markup-compatibility/2006" xmlns:p14="http://schemas.microsoft.com/office/powerpoint/2010/main">
+        <mc:Choice Requires="p14">
           <p:contentPart p14:bwMode="auto" r:id="rId6">
             <p14:nvContentPartPr>
               <p14:cNvPr id="205" name="筆跡 204">
@@ -7928,7 +7931,7 @@
             </p14:xfrm>
           </p:contentPart>
         </mc:Choice>
-        <mc:Fallback>
+        <mc:Fallback xmlns="">
           <p:pic>
             <p:nvPicPr>
               <p:cNvPr id="205" name="筆跡 204">
@@ -7959,8 +7962,8 @@
           </p:pic>
         </mc:Fallback>
       </mc:AlternateContent>
-      <mc:AlternateContent xmlns:mc="http://schemas.openxmlformats.org/markup-compatibility/2006">
-        <mc:Choice xmlns:p14="http://schemas.microsoft.com/office/powerpoint/2010/main" Requires="p14">
+      <mc:AlternateContent xmlns:mc="http://schemas.openxmlformats.org/markup-compatibility/2006" xmlns:p14="http://schemas.microsoft.com/office/powerpoint/2010/main">
+        <mc:Choice Requires="p14">
           <p:contentPart p14:bwMode="auto" r:id="rId8">
             <p14:nvContentPartPr>
               <p14:cNvPr id="248" name="筆跡 247">
@@ -7979,7 +7982,7 @@
             </p14:xfrm>
           </p:contentPart>
         </mc:Choice>
-        <mc:Fallback>
+        <mc:Fallback xmlns="">
           <p:pic>
             <p:nvPicPr>
               <p:cNvPr id="248" name="筆跡 247">
@@ -8010,8 +8013,8 @@
           </p:pic>
         </mc:Fallback>
       </mc:AlternateContent>
-      <mc:AlternateContent xmlns:mc="http://schemas.openxmlformats.org/markup-compatibility/2006">
-        <mc:Choice xmlns:p14="http://schemas.microsoft.com/office/powerpoint/2010/main" Requires="p14">
+      <mc:AlternateContent xmlns:mc="http://schemas.openxmlformats.org/markup-compatibility/2006" xmlns:p14="http://schemas.microsoft.com/office/powerpoint/2010/main">
+        <mc:Choice Requires="p14">
           <p:contentPart p14:bwMode="auto" r:id="rId10">
             <p14:nvContentPartPr>
               <p14:cNvPr id="256" name="筆跡 255">
@@ -8030,7 +8033,7 @@
             </p14:xfrm>
           </p:contentPart>
         </mc:Choice>
-        <mc:Fallback>
+        <mc:Fallback xmlns="">
           <p:pic>
             <p:nvPicPr>
               <p:cNvPr id="256" name="筆跡 255">
@@ -8061,8 +8064,8 @@
           </p:pic>
         </mc:Fallback>
       </mc:AlternateContent>
-      <mc:AlternateContent xmlns:mc="http://schemas.openxmlformats.org/markup-compatibility/2006">
-        <mc:Choice xmlns:p14="http://schemas.microsoft.com/office/powerpoint/2010/main" Requires="p14">
+      <mc:AlternateContent xmlns:mc="http://schemas.openxmlformats.org/markup-compatibility/2006" xmlns:p14="http://schemas.microsoft.com/office/powerpoint/2010/main">
+        <mc:Choice Requires="p14">
           <p:contentPart p14:bwMode="auto" r:id="rId12">
             <p14:nvContentPartPr>
               <p14:cNvPr id="304" name="筆跡 303">
@@ -8081,7 +8084,7 @@
             </p14:xfrm>
           </p:contentPart>
         </mc:Choice>
-        <mc:Fallback>
+        <mc:Fallback xmlns="">
           <p:pic>
             <p:nvPicPr>
               <p:cNvPr id="304" name="筆跡 303">
@@ -8112,8 +8115,8 @@
           </p:pic>
         </mc:Fallback>
       </mc:AlternateContent>
-      <mc:AlternateContent xmlns:mc="http://schemas.openxmlformats.org/markup-compatibility/2006">
-        <mc:Choice xmlns:p14="http://schemas.microsoft.com/office/powerpoint/2010/main" Requires="p14">
+      <mc:AlternateContent xmlns:mc="http://schemas.openxmlformats.org/markup-compatibility/2006" xmlns:p14="http://schemas.microsoft.com/office/powerpoint/2010/main">
+        <mc:Choice Requires="p14">
           <p:contentPart p14:bwMode="auto" r:id="rId14">
             <p14:nvContentPartPr>
               <p14:cNvPr id="317" name="筆跡 316">
@@ -8132,7 +8135,7 @@
             </p14:xfrm>
           </p:contentPart>
         </mc:Choice>
-        <mc:Fallback>
+        <mc:Fallback xmlns="">
           <p:pic>
             <p:nvPicPr>
               <p:cNvPr id="317" name="筆跡 316">
@@ -8183,8 +8186,8 @@
             <a:chExt cx="4369060" cy="2867070"/>
           </a:xfrm>
         </p:grpSpPr>
-        <mc:AlternateContent xmlns:mc="http://schemas.openxmlformats.org/markup-compatibility/2006">
-          <mc:Choice xmlns:p14="http://schemas.microsoft.com/office/powerpoint/2010/main" Requires="p14">
+        <mc:AlternateContent xmlns:mc="http://schemas.openxmlformats.org/markup-compatibility/2006" xmlns:p14="http://schemas.microsoft.com/office/powerpoint/2010/main">
+          <mc:Choice Requires="p14">
             <p:contentPart p14:bwMode="auto" r:id="rId16">
               <p14:nvContentPartPr>
                 <p14:cNvPr id="27" name="筆跡 26">
@@ -8203,7 +8206,7 @@
               </p14:xfrm>
             </p:contentPart>
           </mc:Choice>
-          <mc:Fallback>
+          <mc:Fallback xmlns="">
             <p:pic>
               <p:nvPicPr>
                 <p:cNvPr id="27" name="筆跡 26">
@@ -8234,8 +8237,8 @@
             </p:pic>
           </mc:Fallback>
         </mc:AlternateContent>
-        <mc:AlternateContent xmlns:mc="http://schemas.openxmlformats.org/markup-compatibility/2006">
-          <mc:Choice xmlns:p14="http://schemas.microsoft.com/office/powerpoint/2010/main" Requires="p14">
+        <mc:AlternateContent xmlns:mc="http://schemas.openxmlformats.org/markup-compatibility/2006" xmlns:p14="http://schemas.microsoft.com/office/powerpoint/2010/main">
+          <mc:Choice Requires="p14">
             <p:contentPart p14:bwMode="auto" r:id="rId18">
               <p14:nvContentPartPr>
                 <p14:cNvPr id="28" name="筆跡 27">
@@ -8254,7 +8257,7 @@
               </p14:xfrm>
             </p:contentPart>
           </mc:Choice>
-          <mc:Fallback>
+          <mc:Fallback xmlns="">
             <p:pic>
               <p:nvPicPr>
                 <p:cNvPr id="28" name="筆跡 27">
@@ -8285,8 +8288,8 @@
             </p:pic>
           </mc:Fallback>
         </mc:AlternateContent>
-        <mc:AlternateContent xmlns:mc="http://schemas.openxmlformats.org/markup-compatibility/2006">
-          <mc:Choice xmlns:p14="http://schemas.microsoft.com/office/powerpoint/2010/main" Requires="p14">
+        <mc:AlternateContent xmlns:mc="http://schemas.openxmlformats.org/markup-compatibility/2006" xmlns:p14="http://schemas.microsoft.com/office/powerpoint/2010/main">
+          <mc:Choice Requires="p14">
             <p:contentPart p14:bwMode="auto" r:id="rId20">
               <p14:nvContentPartPr>
                 <p14:cNvPr id="29" name="筆跡 28">
@@ -8305,7 +8308,7 @@
               </p14:xfrm>
             </p:contentPart>
           </mc:Choice>
-          <mc:Fallback>
+          <mc:Fallback xmlns="">
             <p:pic>
               <p:nvPicPr>
                 <p:cNvPr id="29" name="筆跡 28">
@@ -8336,8 +8339,8 @@
             </p:pic>
           </mc:Fallback>
         </mc:AlternateContent>
-        <mc:AlternateContent xmlns:mc="http://schemas.openxmlformats.org/markup-compatibility/2006">
-          <mc:Choice xmlns:p14="http://schemas.microsoft.com/office/powerpoint/2010/main" Requires="p14">
+        <mc:AlternateContent xmlns:mc="http://schemas.openxmlformats.org/markup-compatibility/2006" xmlns:p14="http://schemas.microsoft.com/office/powerpoint/2010/main">
+          <mc:Choice Requires="p14">
             <p:contentPart p14:bwMode="auto" r:id="rId22">
               <p14:nvContentPartPr>
                 <p14:cNvPr id="30" name="筆跡 29">
@@ -8356,7 +8359,7 @@
               </p14:xfrm>
             </p:contentPart>
           </mc:Choice>
-          <mc:Fallback>
+          <mc:Fallback xmlns="">
             <p:pic>
               <p:nvPicPr>
                 <p:cNvPr id="30" name="筆跡 29">
@@ -8387,8 +8390,8 @@
             </p:pic>
           </mc:Fallback>
         </mc:AlternateContent>
-        <mc:AlternateContent xmlns:mc="http://schemas.openxmlformats.org/markup-compatibility/2006">
-          <mc:Choice xmlns:p14="http://schemas.microsoft.com/office/powerpoint/2010/main" Requires="p14">
+        <mc:AlternateContent xmlns:mc="http://schemas.openxmlformats.org/markup-compatibility/2006" xmlns:p14="http://schemas.microsoft.com/office/powerpoint/2010/main">
+          <mc:Choice Requires="p14">
             <p:contentPart p14:bwMode="auto" r:id="rId24">
               <p14:nvContentPartPr>
                 <p14:cNvPr id="31" name="筆跡 30">
@@ -8407,7 +8410,7 @@
               </p14:xfrm>
             </p:contentPart>
           </mc:Choice>
-          <mc:Fallback>
+          <mc:Fallback xmlns="">
             <p:pic>
               <p:nvPicPr>
                 <p:cNvPr id="31" name="筆跡 30">
@@ -8438,8 +8441,8 @@
             </p:pic>
           </mc:Fallback>
         </mc:AlternateContent>
-        <mc:AlternateContent xmlns:mc="http://schemas.openxmlformats.org/markup-compatibility/2006">
-          <mc:Choice xmlns:p14="http://schemas.microsoft.com/office/powerpoint/2010/main" Requires="p14">
+        <mc:AlternateContent xmlns:mc="http://schemas.openxmlformats.org/markup-compatibility/2006" xmlns:p14="http://schemas.microsoft.com/office/powerpoint/2010/main">
+          <mc:Choice Requires="p14">
             <p:contentPart p14:bwMode="auto" r:id="rId26">
               <p14:nvContentPartPr>
                 <p14:cNvPr id="32" name="筆跡 31">
@@ -8458,7 +8461,7 @@
               </p14:xfrm>
             </p:contentPart>
           </mc:Choice>
-          <mc:Fallback>
+          <mc:Fallback xmlns="">
             <p:pic>
               <p:nvPicPr>
                 <p:cNvPr id="32" name="筆跡 31">
@@ -8489,8 +8492,8 @@
             </p:pic>
           </mc:Fallback>
         </mc:AlternateContent>
-        <mc:AlternateContent xmlns:mc="http://schemas.openxmlformats.org/markup-compatibility/2006">
-          <mc:Choice xmlns:p14="http://schemas.microsoft.com/office/powerpoint/2010/main" Requires="p14">
+        <mc:AlternateContent xmlns:mc="http://schemas.openxmlformats.org/markup-compatibility/2006" xmlns:p14="http://schemas.microsoft.com/office/powerpoint/2010/main">
+          <mc:Choice Requires="p14">
             <p:contentPart p14:bwMode="auto" r:id="rId28">
               <p14:nvContentPartPr>
                 <p14:cNvPr id="33" name="筆跡 32">
@@ -8509,7 +8512,7 @@
               </p14:xfrm>
             </p:contentPart>
           </mc:Choice>
-          <mc:Fallback>
+          <mc:Fallback xmlns="">
             <p:pic>
               <p:nvPicPr>
                 <p:cNvPr id="33" name="筆跡 32">
@@ -8540,8 +8543,8 @@
             </p:pic>
           </mc:Fallback>
         </mc:AlternateContent>
-        <mc:AlternateContent xmlns:mc="http://schemas.openxmlformats.org/markup-compatibility/2006">
-          <mc:Choice xmlns:p14="http://schemas.microsoft.com/office/powerpoint/2010/main" Requires="p14">
+        <mc:AlternateContent xmlns:mc="http://schemas.openxmlformats.org/markup-compatibility/2006" xmlns:p14="http://schemas.microsoft.com/office/powerpoint/2010/main">
+          <mc:Choice Requires="p14">
             <p:contentPart p14:bwMode="auto" r:id="rId30">
               <p14:nvContentPartPr>
                 <p14:cNvPr id="34" name="筆跡 33">
@@ -8560,7 +8563,7 @@
               </p14:xfrm>
             </p:contentPart>
           </mc:Choice>
-          <mc:Fallback>
+          <mc:Fallback xmlns="">
             <p:pic>
               <p:nvPicPr>
                 <p:cNvPr id="34" name="筆跡 33">
@@ -8591,8 +8594,8 @@
             </p:pic>
           </mc:Fallback>
         </mc:AlternateContent>
-        <mc:AlternateContent xmlns:mc="http://schemas.openxmlformats.org/markup-compatibility/2006">
-          <mc:Choice xmlns:p14="http://schemas.microsoft.com/office/powerpoint/2010/main" Requires="p14">
+        <mc:AlternateContent xmlns:mc="http://schemas.openxmlformats.org/markup-compatibility/2006" xmlns:p14="http://schemas.microsoft.com/office/powerpoint/2010/main">
+          <mc:Choice Requires="p14">
             <p:contentPart p14:bwMode="auto" r:id="rId32">
               <p14:nvContentPartPr>
                 <p14:cNvPr id="35" name="筆跡 34">
@@ -8611,7 +8614,7 @@
               </p14:xfrm>
             </p:contentPart>
           </mc:Choice>
-          <mc:Fallback>
+          <mc:Fallback xmlns="">
             <p:pic>
               <p:nvPicPr>
                 <p:cNvPr id="35" name="筆跡 34">
@@ -8642,8 +8645,8 @@
             </p:pic>
           </mc:Fallback>
         </mc:AlternateContent>
-        <mc:AlternateContent xmlns:mc="http://schemas.openxmlformats.org/markup-compatibility/2006">
-          <mc:Choice xmlns:p14="http://schemas.microsoft.com/office/powerpoint/2010/main" Requires="p14">
+        <mc:AlternateContent xmlns:mc="http://schemas.openxmlformats.org/markup-compatibility/2006" xmlns:p14="http://schemas.microsoft.com/office/powerpoint/2010/main">
+          <mc:Choice Requires="p14">
             <p:contentPart p14:bwMode="auto" r:id="rId34">
               <p14:nvContentPartPr>
                 <p14:cNvPr id="36" name="筆跡 35">
@@ -8662,7 +8665,7 @@
               </p14:xfrm>
             </p:contentPart>
           </mc:Choice>
-          <mc:Fallback>
+          <mc:Fallback xmlns="">
             <p:pic>
               <p:nvPicPr>
                 <p:cNvPr id="36" name="筆跡 35">
@@ -8693,8 +8696,8 @@
             </p:pic>
           </mc:Fallback>
         </mc:AlternateContent>
-        <mc:AlternateContent xmlns:mc="http://schemas.openxmlformats.org/markup-compatibility/2006">
-          <mc:Choice xmlns:p14="http://schemas.microsoft.com/office/powerpoint/2010/main" Requires="p14">
+        <mc:AlternateContent xmlns:mc="http://schemas.openxmlformats.org/markup-compatibility/2006" xmlns:p14="http://schemas.microsoft.com/office/powerpoint/2010/main">
+          <mc:Choice Requires="p14">
             <p:contentPart p14:bwMode="auto" r:id="rId36">
               <p14:nvContentPartPr>
                 <p14:cNvPr id="37" name="筆跡 36">
@@ -8713,7 +8716,7 @@
               </p14:xfrm>
             </p:contentPart>
           </mc:Choice>
-          <mc:Fallback>
+          <mc:Fallback xmlns="">
             <p:pic>
               <p:nvPicPr>
                 <p:cNvPr id="37" name="筆跡 36">
@@ -8744,8 +8747,8 @@
             </p:pic>
           </mc:Fallback>
         </mc:AlternateContent>
-        <mc:AlternateContent xmlns:mc="http://schemas.openxmlformats.org/markup-compatibility/2006">
-          <mc:Choice xmlns:p14="http://schemas.microsoft.com/office/powerpoint/2010/main" Requires="p14">
+        <mc:AlternateContent xmlns:mc="http://schemas.openxmlformats.org/markup-compatibility/2006" xmlns:p14="http://schemas.microsoft.com/office/powerpoint/2010/main">
+          <mc:Choice Requires="p14">
             <p:contentPart p14:bwMode="auto" r:id="rId38">
               <p14:nvContentPartPr>
                 <p14:cNvPr id="38" name="筆跡 37">
@@ -8764,7 +8767,7 @@
               </p14:xfrm>
             </p:contentPart>
           </mc:Choice>
-          <mc:Fallback>
+          <mc:Fallback xmlns="">
             <p:pic>
               <p:nvPicPr>
                 <p:cNvPr id="38" name="筆跡 37">
@@ -8795,8 +8798,8 @@
             </p:pic>
           </mc:Fallback>
         </mc:AlternateContent>
-        <mc:AlternateContent xmlns:mc="http://schemas.openxmlformats.org/markup-compatibility/2006">
-          <mc:Choice xmlns:p14="http://schemas.microsoft.com/office/powerpoint/2010/main" Requires="p14">
+        <mc:AlternateContent xmlns:mc="http://schemas.openxmlformats.org/markup-compatibility/2006" xmlns:p14="http://schemas.microsoft.com/office/powerpoint/2010/main">
+          <mc:Choice Requires="p14">
             <p:contentPart p14:bwMode="auto" r:id="rId40">
               <p14:nvContentPartPr>
                 <p14:cNvPr id="39" name="筆跡 38">
@@ -8815,7 +8818,7 @@
               </p14:xfrm>
             </p:contentPart>
           </mc:Choice>
-          <mc:Fallback>
+          <mc:Fallback xmlns="">
             <p:pic>
               <p:nvPicPr>
                 <p:cNvPr id="39" name="筆跡 38">
@@ -8846,8 +8849,8 @@
             </p:pic>
           </mc:Fallback>
         </mc:AlternateContent>
-        <mc:AlternateContent xmlns:mc="http://schemas.openxmlformats.org/markup-compatibility/2006">
-          <mc:Choice xmlns:p14="http://schemas.microsoft.com/office/powerpoint/2010/main" Requires="p14">
+        <mc:AlternateContent xmlns:mc="http://schemas.openxmlformats.org/markup-compatibility/2006" xmlns:p14="http://schemas.microsoft.com/office/powerpoint/2010/main">
+          <mc:Choice Requires="p14">
             <p:contentPart p14:bwMode="auto" r:id="rId42">
               <p14:nvContentPartPr>
                 <p14:cNvPr id="40" name="筆跡 39">
@@ -8866,7 +8869,7 @@
               </p14:xfrm>
             </p:contentPart>
           </mc:Choice>
-          <mc:Fallback>
+          <mc:Fallback xmlns="">
             <p:pic>
               <p:nvPicPr>
                 <p:cNvPr id="40" name="筆跡 39">
@@ -8897,8 +8900,8 @@
             </p:pic>
           </mc:Fallback>
         </mc:AlternateContent>
-        <mc:AlternateContent xmlns:mc="http://schemas.openxmlformats.org/markup-compatibility/2006">
-          <mc:Choice xmlns:p14="http://schemas.microsoft.com/office/powerpoint/2010/main" Requires="p14">
+        <mc:AlternateContent xmlns:mc="http://schemas.openxmlformats.org/markup-compatibility/2006" xmlns:p14="http://schemas.microsoft.com/office/powerpoint/2010/main">
+          <mc:Choice Requires="p14">
             <p:contentPart p14:bwMode="auto" r:id="rId44">
               <p14:nvContentPartPr>
                 <p14:cNvPr id="41" name="筆跡 40">
@@ -8917,7 +8920,7 @@
               </p14:xfrm>
             </p:contentPart>
           </mc:Choice>
-          <mc:Fallback>
+          <mc:Fallback xmlns="">
             <p:pic>
               <p:nvPicPr>
                 <p:cNvPr id="41" name="筆跡 40">
@@ -8948,8 +8951,8 @@
             </p:pic>
           </mc:Fallback>
         </mc:AlternateContent>
-        <mc:AlternateContent xmlns:mc="http://schemas.openxmlformats.org/markup-compatibility/2006">
-          <mc:Choice xmlns:p14="http://schemas.microsoft.com/office/powerpoint/2010/main" Requires="p14">
+        <mc:AlternateContent xmlns:mc="http://schemas.openxmlformats.org/markup-compatibility/2006" xmlns:p14="http://schemas.microsoft.com/office/powerpoint/2010/main">
+          <mc:Choice Requires="p14">
             <p:contentPart p14:bwMode="auto" r:id="rId46">
               <p14:nvContentPartPr>
                 <p14:cNvPr id="42" name="筆跡 41">
@@ -8968,7 +8971,7 @@
               </p14:xfrm>
             </p:contentPart>
           </mc:Choice>
-          <mc:Fallback>
+          <mc:Fallback xmlns="">
             <p:pic>
               <p:nvPicPr>
                 <p:cNvPr id="42" name="筆跡 41">
@@ -8999,8 +9002,8 @@
             </p:pic>
           </mc:Fallback>
         </mc:AlternateContent>
-        <mc:AlternateContent xmlns:mc="http://schemas.openxmlformats.org/markup-compatibility/2006">
-          <mc:Choice xmlns:p14="http://schemas.microsoft.com/office/powerpoint/2010/main" Requires="p14">
+        <mc:AlternateContent xmlns:mc="http://schemas.openxmlformats.org/markup-compatibility/2006" xmlns:p14="http://schemas.microsoft.com/office/powerpoint/2010/main">
+          <mc:Choice Requires="p14">
             <p:contentPart p14:bwMode="auto" r:id="rId48">
               <p14:nvContentPartPr>
                 <p14:cNvPr id="43" name="筆跡 42">
@@ -9019,7 +9022,7 @@
               </p14:xfrm>
             </p:contentPart>
           </mc:Choice>
-          <mc:Fallback>
+          <mc:Fallback xmlns="">
             <p:pic>
               <p:nvPicPr>
                 <p:cNvPr id="43" name="筆跡 42">
@@ -9050,8 +9053,8 @@
             </p:pic>
           </mc:Fallback>
         </mc:AlternateContent>
-        <mc:AlternateContent xmlns:mc="http://schemas.openxmlformats.org/markup-compatibility/2006">
-          <mc:Choice xmlns:p14="http://schemas.microsoft.com/office/powerpoint/2010/main" Requires="p14">
+        <mc:AlternateContent xmlns:mc="http://schemas.openxmlformats.org/markup-compatibility/2006" xmlns:p14="http://schemas.microsoft.com/office/powerpoint/2010/main">
+          <mc:Choice Requires="p14">
             <p:contentPart p14:bwMode="auto" r:id="rId50">
               <p14:nvContentPartPr>
                 <p14:cNvPr id="44" name="筆跡 43">
@@ -9070,7 +9073,7 @@
               </p14:xfrm>
             </p:contentPart>
           </mc:Choice>
-          <mc:Fallback>
+          <mc:Fallback xmlns="">
             <p:pic>
               <p:nvPicPr>
                 <p:cNvPr id="44" name="筆跡 43">
@@ -9101,8 +9104,8 @@
             </p:pic>
           </mc:Fallback>
         </mc:AlternateContent>
-        <mc:AlternateContent xmlns:mc="http://schemas.openxmlformats.org/markup-compatibility/2006">
-          <mc:Choice xmlns:p14="http://schemas.microsoft.com/office/powerpoint/2010/main" Requires="p14">
+        <mc:AlternateContent xmlns:mc="http://schemas.openxmlformats.org/markup-compatibility/2006" xmlns:p14="http://schemas.microsoft.com/office/powerpoint/2010/main">
+          <mc:Choice Requires="p14">
             <p:contentPart p14:bwMode="auto" r:id="rId52">
               <p14:nvContentPartPr>
                 <p14:cNvPr id="45" name="筆跡 44">
@@ -9121,7 +9124,7 @@
               </p14:xfrm>
             </p:contentPart>
           </mc:Choice>
-          <mc:Fallback>
+          <mc:Fallback xmlns="">
             <p:pic>
               <p:nvPicPr>
                 <p:cNvPr id="45" name="筆跡 44">
@@ -9152,8 +9155,8 @@
             </p:pic>
           </mc:Fallback>
         </mc:AlternateContent>
-        <mc:AlternateContent xmlns:mc="http://schemas.openxmlformats.org/markup-compatibility/2006">
-          <mc:Choice xmlns:p14="http://schemas.microsoft.com/office/powerpoint/2010/main" Requires="p14">
+        <mc:AlternateContent xmlns:mc="http://schemas.openxmlformats.org/markup-compatibility/2006" xmlns:p14="http://schemas.microsoft.com/office/powerpoint/2010/main">
+          <mc:Choice Requires="p14">
             <p:contentPart p14:bwMode="auto" r:id="rId54">
               <p14:nvContentPartPr>
                 <p14:cNvPr id="49" name="筆跡 48">
@@ -9172,7 +9175,7 @@
               </p14:xfrm>
             </p:contentPart>
           </mc:Choice>
-          <mc:Fallback>
+          <mc:Fallback xmlns="">
             <p:pic>
               <p:nvPicPr>
                 <p:cNvPr id="49" name="筆跡 48">
@@ -9203,8 +9206,8 @@
             </p:pic>
           </mc:Fallback>
         </mc:AlternateContent>
-        <mc:AlternateContent xmlns:mc="http://schemas.openxmlformats.org/markup-compatibility/2006">
-          <mc:Choice xmlns:p14="http://schemas.microsoft.com/office/powerpoint/2010/main" Requires="p14">
+        <mc:AlternateContent xmlns:mc="http://schemas.openxmlformats.org/markup-compatibility/2006" xmlns:p14="http://schemas.microsoft.com/office/powerpoint/2010/main">
+          <mc:Choice Requires="p14">
             <p:contentPart p14:bwMode="auto" r:id="rId56">
               <p14:nvContentPartPr>
                 <p14:cNvPr id="50" name="筆跡 49">
@@ -9223,7 +9226,7 @@
               </p14:xfrm>
             </p:contentPart>
           </mc:Choice>
-          <mc:Fallback>
+          <mc:Fallback xmlns="">
             <p:pic>
               <p:nvPicPr>
                 <p:cNvPr id="50" name="筆跡 49">
@@ -9254,8 +9257,8 @@
             </p:pic>
           </mc:Fallback>
         </mc:AlternateContent>
-        <mc:AlternateContent xmlns:mc="http://schemas.openxmlformats.org/markup-compatibility/2006">
-          <mc:Choice xmlns:p14="http://schemas.microsoft.com/office/powerpoint/2010/main" Requires="p14">
+        <mc:AlternateContent xmlns:mc="http://schemas.openxmlformats.org/markup-compatibility/2006" xmlns:p14="http://schemas.microsoft.com/office/powerpoint/2010/main">
+          <mc:Choice Requires="p14">
             <p:contentPart p14:bwMode="auto" r:id="rId58">
               <p14:nvContentPartPr>
                 <p14:cNvPr id="53" name="筆跡 52">
@@ -9274,7 +9277,7 @@
               </p14:xfrm>
             </p:contentPart>
           </mc:Choice>
-          <mc:Fallback>
+          <mc:Fallback xmlns="">
             <p:pic>
               <p:nvPicPr>
                 <p:cNvPr id="53" name="筆跡 52">
@@ -9305,8 +9308,8 @@
             </p:pic>
           </mc:Fallback>
         </mc:AlternateContent>
-        <mc:AlternateContent xmlns:mc="http://schemas.openxmlformats.org/markup-compatibility/2006">
-          <mc:Choice xmlns:p14="http://schemas.microsoft.com/office/powerpoint/2010/main" Requires="p14">
+        <mc:AlternateContent xmlns:mc="http://schemas.openxmlformats.org/markup-compatibility/2006" xmlns:p14="http://schemas.microsoft.com/office/powerpoint/2010/main">
+          <mc:Choice Requires="p14">
             <p:contentPart p14:bwMode="auto" r:id="rId60">
               <p14:nvContentPartPr>
                 <p14:cNvPr id="130" name="筆跡 129">
@@ -9325,7 +9328,7 @@
               </p14:xfrm>
             </p:contentPart>
           </mc:Choice>
-          <mc:Fallback>
+          <mc:Fallback xmlns="">
             <p:pic>
               <p:nvPicPr>
                 <p:cNvPr id="130" name="筆跡 129">
@@ -9356,8 +9359,8 @@
             </p:pic>
           </mc:Fallback>
         </mc:AlternateContent>
-        <mc:AlternateContent xmlns:mc="http://schemas.openxmlformats.org/markup-compatibility/2006">
-          <mc:Choice xmlns:p14="http://schemas.microsoft.com/office/powerpoint/2010/main" Requires="p14">
+        <mc:AlternateContent xmlns:mc="http://schemas.openxmlformats.org/markup-compatibility/2006" xmlns:p14="http://schemas.microsoft.com/office/powerpoint/2010/main">
+          <mc:Choice Requires="p14">
             <p:contentPart p14:bwMode="auto" r:id="rId62">
               <p14:nvContentPartPr>
                 <p14:cNvPr id="131" name="筆跡 130">
@@ -9376,7 +9379,7 @@
               </p14:xfrm>
             </p:contentPart>
           </mc:Choice>
-          <mc:Fallback>
+          <mc:Fallback xmlns="">
             <p:pic>
               <p:nvPicPr>
                 <p:cNvPr id="131" name="筆跡 130">
@@ -9407,8 +9410,8 @@
             </p:pic>
           </mc:Fallback>
         </mc:AlternateContent>
-        <mc:AlternateContent xmlns:mc="http://schemas.openxmlformats.org/markup-compatibility/2006">
-          <mc:Choice xmlns:p14="http://schemas.microsoft.com/office/powerpoint/2010/main" Requires="p14">
+        <mc:AlternateContent xmlns:mc="http://schemas.openxmlformats.org/markup-compatibility/2006" xmlns:p14="http://schemas.microsoft.com/office/powerpoint/2010/main">
+          <mc:Choice Requires="p14">
             <p:contentPart p14:bwMode="auto" r:id="rId64">
               <p14:nvContentPartPr>
                 <p14:cNvPr id="58" name="筆跡 57">
@@ -9427,7 +9430,7 @@
               </p14:xfrm>
             </p:contentPart>
           </mc:Choice>
-          <mc:Fallback>
+          <mc:Fallback xmlns="">
             <p:pic>
               <p:nvPicPr>
                 <p:cNvPr id="58" name="筆跡 57">
@@ -9458,8 +9461,8 @@
             </p:pic>
           </mc:Fallback>
         </mc:AlternateContent>
-        <mc:AlternateContent xmlns:mc="http://schemas.openxmlformats.org/markup-compatibility/2006">
-          <mc:Choice xmlns:p14="http://schemas.microsoft.com/office/powerpoint/2010/main" Requires="p14">
+        <mc:AlternateContent xmlns:mc="http://schemas.openxmlformats.org/markup-compatibility/2006" xmlns:p14="http://schemas.microsoft.com/office/powerpoint/2010/main">
+          <mc:Choice Requires="p14">
             <p:contentPart p14:bwMode="auto" r:id="rId66">
               <p14:nvContentPartPr>
                 <p14:cNvPr id="59" name="筆跡 58">
@@ -9478,7 +9481,7 @@
               </p14:xfrm>
             </p:contentPart>
           </mc:Choice>
-          <mc:Fallback>
+          <mc:Fallback xmlns="">
             <p:pic>
               <p:nvPicPr>
                 <p:cNvPr id="59" name="筆跡 58">
@@ -9509,8 +9512,8 @@
             </p:pic>
           </mc:Fallback>
         </mc:AlternateContent>
-        <mc:AlternateContent xmlns:mc="http://schemas.openxmlformats.org/markup-compatibility/2006">
-          <mc:Choice xmlns:p14="http://schemas.microsoft.com/office/powerpoint/2010/main" Requires="p14">
+        <mc:AlternateContent xmlns:mc="http://schemas.openxmlformats.org/markup-compatibility/2006" xmlns:p14="http://schemas.microsoft.com/office/powerpoint/2010/main">
+          <mc:Choice Requires="p14">
             <p:contentPart p14:bwMode="auto" r:id="rId68">
               <p14:nvContentPartPr>
                 <p14:cNvPr id="62" name="筆跡 61">
@@ -9529,7 +9532,7 @@
               </p14:xfrm>
             </p:contentPart>
           </mc:Choice>
-          <mc:Fallback>
+          <mc:Fallback xmlns="">
             <p:pic>
               <p:nvPicPr>
                 <p:cNvPr id="62" name="筆跡 61">
@@ -9560,8 +9563,8 @@
             </p:pic>
           </mc:Fallback>
         </mc:AlternateContent>
-        <mc:AlternateContent xmlns:mc="http://schemas.openxmlformats.org/markup-compatibility/2006">
-          <mc:Choice xmlns:p14="http://schemas.microsoft.com/office/powerpoint/2010/main" Requires="p14">
+        <mc:AlternateContent xmlns:mc="http://schemas.openxmlformats.org/markup-compatibility/2006" xmlns:p14="http://schemas.microsoft.com/office/powerpoint/2010/main">
+          <mc:Choice Requires="p14">
             <p:contentPart p14:bwMode="auto" r:id="rId70">
               <p14:nvContentPartPr>
                 <p14:cNvPr id="63" name="筆跡 62">
@@ -9580,7 +9583,7 @@
               </p14:xfrm>
             </p:contentPart>
           </mc:Choice>
-          <mc:Fallback>
+          <mc:Fallback xmlns="">
             <p:pic>
               <p:nvPicPr>
                 <p:cNvPr id="63" name="筆跡 62">
@@ -9611,8 +9614,8 @@
             </p:pic>
           </mc:Fallback>
         </mc:AlternateContent>
-        <mc:AlternateContent xmlns:mc="http://schemas.openxmlformats.org/markup-compatibility/2006">
-          <mc:Choice xmlns:p14="http://schemas.microsoft.com/office/powerpoint/2010/main" Requires="p14">
+        <mc:AlternateContent xmlns:mc="http://schemas.openxmlformats.org/markup-compatibility/2006" xmlns:p14="http://schemas.microsoft.com/office/powerpoint/2010/main">
+          <mc:Choice Requires="p14">
             <p:contentPart p14:bwMode="auto" r:id="rId72">
               <p14:nvContentPartPr>
                 <p14:cNvPr id="64" name="筆跡 63">
@@ -9631,7 +9634,7 @@
               </p14:xfrm>
             </p:contentPart>
           </mc:Choice>
-          <mc:Fallback>
+          <mc:Fallback xmlns="">
             <p:pic>
               <p:nvPicPr>
                 <p:cNvPr id="64" name="筆跡 63">
@@ -9662,8 +9665,8 @@
             </p:pic>
           </mc:Fallback>
         </mc:AlternateContent>
-        <mc:AlternateContent xmlns:mc="http://schemas.openxmlformats.org/markup-compatibility/2006">
-          <mc:Choice xmlns:p14="http://schemas.microsoft.com/office/powerpoint/2010/main" Requires="p14">
+        <mc:AlternateContent xmlns:mc="http://schemas.openxmlformats.org/markup-compatibility/2006" xmlns:p14="http://schemas.microsoft.com/office/powerpoint/2010/main">
+          <mc:Choice Requires="p14">
             <p:contentPart p14:bwMode="auto" r:id="rId74">
               <p14:nvContentPartPr>
                 <p14:cNvPr id="65" name="筆跡 64">
@@ -9682,7 +9685,7 @@
               </p14:xfrm>
             </p:contentPart>
           </mc:Choice>
-          <mc:Fallback>
+          <mc:Fallback xmlns="">
             <p:pic>
               <p:nvPicPr>
                 <p:cNvPr id="65" name="筆跡 64">
@@ -9713,8 +9716,8 @@
             </p:pic>
           </mc:Fallback>
         </mc:AlternateContent>
-        <mc:AlternateContent xmlns:mc="http://schemas.openxmlformats.org/markup-compatibility/2006">
-          <mc:Choice xmlns:p14="http://schemas.microsoft.com/office/powerpoint/2010/main" Requires="p14">
+        <mc:AlternateContent xmlns:mc="http://schemas.openxmlformats.org/markup-compatibility/2006" xmlns:p14="http://schemas.microsoft.com/office/powerpoint/2010/main">
+          <mc:Choice Requires="p14">
             <p:contentPart p14:bwMode="auto" r:id="rId76">
               <p14:nvContentPartPr>
                 <p14:cNvPr id="66" name="筆跡 65">
@@ -9733,7 +9736,7 @@
               </p14:xfrm>
             </p:contentPart>
           </mc:Choice>
-          <mc:Fallback>
+          <mc:Fallback xmlns="">
             <p:pic>
               <p:nvPicPr>
                 <p:cNvPr id="66" name="筆跡 65">
@@ -9764,8 +9767,8 @@
             </p:pic>
           </mc:Fallback>
         </mc:AlternateContent>
-        <mc:AlternateContent xmlns:mc="http://schemas.openxmlformats.org/markup-compatibility/2006">
-          <mc:Choice xmlns:p14="http://schemas.microsoft.com/office/powerpoint/2010/main" Requires="p14">
+        <mc:AlternateContent xmlns:mc="http://schemas.openxmlformats.org/markup-compatibility/2006" xmlns:p14="http://schemas.microsoft.com/office/powerpoint/2010/main">
+          <mc:Choice Requires="p14">
             <p:contentPart p14:bwMode="auto" r:id="rId78">
               <p14:nvContentPartPr>
                 <p14:cNvPr id="67" name="筆跡 66">
@@ -9784,7 +9787,7 @@
               </p14:xfrm>
             </p:contentPart>
           </mc:Choice>
-          <mc:Fallback>
+          <mc:Fallback xmlns="">
             <p:pic>
               <p:nvPicPr>
                 <p:cNvPr id="67" name="筆跡 66">
@@ -9815,8 +9818,8 @@
             </p:pic>
           </mc:Fallback>
         </mc:AlternateContent>
-        <mc:AlternateContent xmlns:mc="http://schemas.openxmlformats.org/markup-compatibility/2006">
-          <mc:Choice xmlns:p14="http://schemas.microsoft.com/office/powerpoint/2010/main" Requires="p14">
+        <mc:AlternateContent xmlns:mc="http://schemas.openxmlformats.org/markup-compatibility/2006" xmlns:p14="http://schemas.microsoft.com/office/powerpoint/2010/main">
+          <mc:Choice Requires="p14">
             <p:contentPart p14:bwMode="auto" r:id="rId80">
               <p14:nvContentPartPr>
                 <p14:cNvPr id="68" name="筆跡 67">
@@ -9835,7 +9838,7 @@
               </p14:xfrm>
             </p:contentPart>
           </mc:Choice>
-          <mc:Fallback>
+          <mc:Fallback xmlns="">
             <p:pic>
               <p:nvPicPr>
                 <p:cNvPr id="68" name="筆跡 67">
@@ -9866,8 +9869,8 @@
             </p:pic>
           </mc:Fallback>
         </mc:AlternateContent>
-        <mc:AlternateContent xmlns:mc="http://schemas.openxmlformats.org/markup-compatibility/2006">
-          <mc:Choice xmlns:p14="http://schemas.microsoft.com/office/powerpoint/2010/main" Requires="p14">
+        <mc:AlternateContent xmlns:mc="http://schemas.openxmlformats.org/markup-compatibility/2006" xmlns:p14="http://schemas.microsoft.com/office/powerpoint/2010/main">
+          <mc:Choice Requires="p14">
             <p:contentPart p14:bwMode="auto" r:id="rId82">
               <p14:nvContentPartPr>
                 <p14:cNvPr id="69" name="筆跡 68">
@@ -9886,7 +9889,7 @@
               </p14:xfrm>
             </p:contentPart>
           </mc:Choice>
-          <mc:Fallback>
+          <mc:Fallback xmlns="">
             <p:pic>
               <p:nvPicPr>
                 <p:cNvPr id="69" name="筆跡 68">
@@ -9917,8 +9920,8 @@
             </p:pic>
           </mc:Fallback>
         </mc:AlternateContent>
-        <mc:AlternateContent xmlns:mc="http://schemas.openxmlformats.org/markup-compatibility/2006">
-          <mc:Choice xmlns:p14="http://schemas.microsoft.com/office/powerpoint/2010/main" Requires="p14">
+        <mc:AlternateContent xmlns:mc="http://schemas.openxmlformats.org/markup-compatibility/2006" xmlns:p14="http://schemas.microsoft.com/office/powerpoint/2010/main">
+          <mc:Choice Requires="p14">
             <p:contentPart p14:bwMode="auto" r:id="rId84">
               <p14:nvContentPartPr>
                 <p14:cNvPr id="70" name="筆跡 69">
@@ -9937,7 +9940,7 @@
               </p14:xfrm>
             </p:contentPart>
           </mc:Choice>
-          <mc:Fallback>
+          <mc:Fallback xmlns="">
             <p:pic>
               <p:nvPicPr>
                 <p:cNvPr id="70" name="筆跡 69">
@@ -9968,8 +9971,8 @@
             </p:pic>
           </mc:Fallback>
         </mc:AlternateContent>
-        <mc:AlternateContent xmlns:mc="http://schemas.openxmlformats.org/markup-compatibility/2006">
-          <mc:Choice xmlns:p14="http://schemas.microsoft.com/office/powerpoint/2010/main" Requires="p14">
+        <mc:AlternateContent xmlns:mc="http://schemas.openxmlformats.org/markup-compatibility/2006" xmlns:p14="http://schemas.microsoft.com/office/powerpoint/2010/main">
+          <mc:Choice Requires="p14">
             <p:contentPart p14:bwMode="auto" r:id="rId86">
               <p14:nvContentPartPr>
                 <p14:cNvPr id="71" name="筆跡 70">
@@ -9988,7 +9991,7 @@
               </p14:xfrm>
             </p:contentPart>
           </mc:Choice>
-          <mc:Fallback>
+          <mc:Fallback xmlns="">
             <p:pic>
               <p:nvPicPr>
                 <p:cNvPr id="71" name="筆跡 70">
@@ -10019,8 +10022,8 @@
             </p:pic>
           </mc:Fallback>
         </mc:AlternateContent>
-        <mc:AlternateContent xmlns:mc="http://schemas.openxmlformats.org/markup-compatibility/2006">
-          <mc:Choice xmlns:p14="http://schemas.microsoft.com/office/powerpoint/2010/main" Requires="p14">
+        <mc:AlternateContent xmlns:mc="http://schemas.openxmlformats.org/markup-compatibility/2006" xmlns:p14="http://schemas.microsoft.com/office/powerpoint/2010/main">
+          <mc:Choice Requires="p14">
             <p:contentPart p14:bwMode="auto" r:id="rId88">
               <p14:nvContentPartPr>
                 <p14:cNvPr id="151" name="筆跡 150">
@@ -10039,7 +10042,7 @@
               </p14:xfrm>
             </p:contentPart>
           </mc:Choice>
-          <mc:Fallback>
+          <mc:Fallback xmlns="">
             <p:pic>
               <p:nvPicPr>
                 <p:cNvPr id="151" name="筆跡 150">
@@ -10070,8 +10073,8 @@
             </p:pic>
           </mc:Fallback>
         </mc:AlternateContent>
-        <mc:AlternateContent xmlns:mc="http://schemas.openxmlformats.org/markup-compatibility/2006">
-          <mc:Choice xmlns:p14="http://schemas.microsoft.com/office/powerpoint/2010/main" Requires="p14">
+        <mc:AlternateContent xmlns:mc="http://schemas.openxmlformats.org/markup-compatibility/2006" xmlns:p14="http://schemas.microsoft.com/office/powerpoint/2010/main">
+          <mc:Choice Requires="p14">
             <p:contentPart p14:bwMode="auto" r:id="rId90">
               <p14:nvContentPartPr>
                 <p14:cNvPr id="152" name="筆跡 151">
@@ -10090,7 +10093,7 @@
               </p14:xfrm>
             </p:contentPart>
           </mc:Choice>
-          <mc:Fallback>
+          <mc:Fallback xmlns="">
             <p:pic>
               <p:nvPicPr>
                 <p:cNvPr id="152" name="筆跡 151">
@@ -10121,8 +10124,8 @@
             </p:pic>
           </mc:Fallback>
         </mc:AlternateContent>
-        <mc:AlternateContent xmlns:mc="http://schemas.openxmlformats.org/markup-compatibility/2006">
-          <mc:Choice xmlns:p14="http://schemas.microsoft.com/office/powerpoint/2010/main" Requires="p14">
+        <mc:AlternateContent xmlns:mc="http://schemas.openxmlformats.org/markup-compatibility/2006" xmlns:p14="http://schemas.microsoft.com/office/powerpoint/2010/main">
+          <mc:Choice Requires="p14">
             <p:contentPart p14:bwMode="auto" r:id="rId92">
               <p14:nvContentPartPr>
                 <p14:cNvPr id="153" name="筆跡 152">
@@ -10141,7 +10144,7 @@
               </p14:xfrm>
             </p:contentPart>
           </mc:Choice>
-          <mc:Fallback>
+          <mc:Fallback xmlns="">
             <p:pic>
               <p:nvPicPr>
                 <p:cNvPr id="153" name="筆跡 152">
@@ -10172,8 +10175,8 @@
             </p:pic>
           </mc:Fallback>
         </mc:AlternateContent>
-        <mc:AlternateContent xmlns:mc="http://schemas.openxmlformats.org/markup-compatibility/2006">
-          <mc:Choice xmlns:p14="http://schemas.microsoft.com/office/powerpoint/2010/main" Requires="p14">
+        <mc:AlternateContent xmlns:mc="http://schemas.openxmlformats.org/markup-compatibility/2006" xmlns:p14="http://schemas.microsoft.com/office/powerpoint/2010/main">
+          <mc:Choice Requires="p14">
             <p:contentPart p14:bwMode="auto" r:id="rId94">
               <p14:nvContentPartPr>
                 <p14:cNvPr id="155" name="筆跡 154">
@@ -10192,7 +10195,7 @@
               </p14:xfrm>
             </p:contentPart>
           </mc:Choice>
-          <mc:Fallback>
+          <mc:Fallback xmlns="">
             <p:pic>
               <p:nvPicPr>
                 <p:cNvPr id="155" name="筆跡 154">
@@ -10223,8 +10226,8 @@
             </p:pic>
           </mc:Fallback>
         </mc:AlternateContent>
-        <mc:AlternateContent xmlns:mc="http://schemas.openxmlformats.org/markup-compatibility/2006">
-          <mc:Choice xmlns:p14="http://schemas.microsoft.com/office/powerpoint/2010/main" Requires="p14">
+        <mc:AlternateContent xmlns:mc="http://schemas.openxmlformats.org/markup-compatibility/2006" xmlns:p14="http://schemas.microsoft.com/office/powerpoint/2010/main">
+          <mc:Choice Requires="p14">
             <p:contentPart p14:bwMode="auto" r:id="rId96">
               <p14:nvContentPartPr>
                 <p14:cNvPr id="157" name="筆跡 156">
@@ -10243,7 +10246,7 @@
               </p14:xfrm>
             </p:contentPart>
           </mc:Choice>
-          <mc:Fallback>
+          <mc:Fallback xmlns="">
             <p:pic>
               <p:nvPicPr>
                 <p:cNvPr id="157" name="筆跡 156">
@@ -10274,8 +10277,8 @@
             </p:pic>
           </mc:Fallback>
         </mc:AlternateContent>
-        <mc:AlternateContent xmlns:mc="http://schemas.openxmlformats.org/markup-compatibility/2006">
-          <mc:Choice xmlns:p14="http://schemas.microsoft.com/office/powerpoint/2010/main" Requires="p14">
+        <mc:AlternateContent xmlns:mc="http://schemas.openxmlformats.org/markup-compatibility/2006" xmlns:p14="http://schemas.microsoft.com/office/powerpoint/2010/main">
+          <mc:Choice Requires="p14">
             <p:contentPart p14:bwMode="auto" r:id="rId98">
               <p14:nvContentPartPr>
                 <p14:cNvPr id="158" name="筆跡 157">
@@ -10294,7 +10297,7 @@
               </p14:xfrm>
             </p:contentPart>
           </mc:Choice>
-          <mc:Fallback>
+          <mc:Fallback xmlns="">
             <p:pic>
               <p:nvPicPr>
                 <p:cNvPr id="158" name="筆跡 157">
@@ -10325,8 +10328,8 @@
             </p:pic>
           </mc:Fallback>
         </mc:AlternateContent>
-        <mc:AlternateContent xmlns:mc="http://schemas.openxmlformats.org/markup-compatibility/2006">
-          <mc:Choice xmlns:p14="http://schemas.microsoft.com/office/powerpoint/2010/main" Requires="p14">
+        <mc:AlternateContent xmlns:mc="http://schemas.openxmlformats.org/markup-compatibility/2006" xmlns:p14="http://schemas.microsoft.com/office/powerpoint/2010/main">
+          <mc:Choice Requires="p14">
             <p:contentPart p14:bwMode="auto" r:id="rId100">
               <p14:nvContentPartPr>
                 <p14:cNvPr id="159" name="筆跡 158">
@@ -10345,7 +10348,7 @@
               </p14:xfrm>
             </p:contentPart>
           </mc:Choice>
-          <mc:Fallback>
+          <mc:Fallback xmlns="">
             <p:pic>
               <p:nvPicPr>
                 <p:cNvPr id="159" name="筆跡 158">
@@ -10376,8 +10379,8 @@
             </p:pic>
           </mc:Fallback>
         </mc:AlternateContent>
-        <mc:AlternateContent xmlns:mc="http://schemas.openxmlformats.org/markup-compatibility/2006">
-          <mc:Choice xmlns:p14="http://schemas.microsoft.com/office/powerpoint/2010/main" Requires="p14">
+        <mc:AlternateContent xmlns:mc="http://schemas.openxmlformats.org/markup-compatibility/2006" xmlns:p14="http://schemas.microsoft.com/office/powerpoint/2010/main">
+          <mc:Choice Requires="p14">
             <p:contentPart p14:bwMode="auto" r:id="rId102">
               <p14:nvContentPartPr>
                 <p14:cNvPr id="160" name="筆跡 159">
@@ -10396,7 +10399,7 @@
               </p14:xfrm>
             </p:contentPart>
           </mc:Choice>
-          <mc:Fallback>
+          <mc:Fallback xmlns="">
             <p:pic>
               <p:nvPicPr>
                 <p:cNvPr id="160" name="筆跡 159">
@@ -10427,8 +10430,8 @@
             </p:pic>
           </mc:Fallback>
         </mc:AlternateContent>
-        <mc:AlternateContent xmlns:mc="http://schemas.openxmlformats.org/markup-compatibility/2006">
-          <mc:Choice xmlns:p14="http://schemas.microsoft.com/office/powerpoint/2010/main" Requires="p14">
+        <mc:AlternateContent xmlns:mc="http://schemas.openxmlformats.org/markup-compatibility/2006" xmlns:p14="http://schemas.microsoft.com/office/powerpoint/2010/main">
+          <mc:Choice Requires="p14">
             <p:contentPart p14:bwMode="auto" r:id="rId104">
               <p14:nvContentPartPr>
                 <p14:cNvPr id="161" name="筆跡 160">
@@ -10447,7 +10450,7 @@
               </p14:xfrm>
             </p:contentPart>
           </mc:Choice>
-          <mc:Fallback>
+          <mc:Fallback xmlns="">
             <p:pic>
               <p:nvPicPr>
                 <p:cNvPr id="161" name="筆跡 160">
@@ -10478,8 +10481,8 @@
             </p:pic>
           </mc:Fallback>
         </mc:AlternateContent>
-        <mc:AlternateContent xmlns:mc="http://schemas.openxmlformats.org/markup-compatibility/2006">
-          <mc:Choice xmlns:p14="http://schemas.microsoft.com/office/powerpoint/2010/main" Requires="p14">
+        <mc:AlternateContent xmlns:mc="http://schemas.openxmlformats.org/markup-compatibility/2006" xmlns:p14="http://schemas.microsoft.com/office/powerpoint/2010/main">
+          <mc:Choice Requires="p14">
             <p:contentPart p14:bwMode="auto" r:id="rId106">
               <p14:nvContentPartPr>
                 <p14:cNvPr id="162" name="筆跡 161">
@@ -10498,7 +10501,7 @@
               </p14:xfrm>
             </p:contentPart>
           </mc:Choice>
-          <mc:Fallback>
+          <mc:Fallback xmlns="">
             <p:pic>
               <p:nvPicPr>
                 <p:cNvPr id="162" name="筆跡 161">
@@ -10529,8 +10532,8 @@
             </p:pic>
           </mc:Fallback>
         </mc:AlternateContent>
-        <mc:AlternateContent xmlns:mc="http://schemas.openxmlformats.org/markup-compatibility/2006">
-          <mc:Choice xmlns:p14="http://schemas.microsoft.com/office/powerpoint/2010/main" Requires="p14">
+        <mc:AlternateContent xmlns:mc="http://schemas.openxmlformats.org/markup-compatibility/2006" xmlns:p14="http://schemas.microsoft.com/office/powerpoint/2010/main">
+          <mc:Choice Requires="p14">
             <p:contentPart p14:bwMode="auto" r:id="rId108">
               <p14:nvContentPartPr>
                 <p14:cNvPr id="163" name="筆跡 162">
@@ -10549,7 +10552,7 @@
               </p14:xfrm>
             </p:contentPart>
           </mc:Choice>
-          <mc:Fallback>
+          <mc:Fallback xmlns="">
             <p:pic>
               <p:nvPicPr>
                 <p:cNvPr id="163" name="筆跡 162">
@@ -10580,8 +10583,8 @@
             </p:pic>
           </mc:Fallback>
         </mc:AlternateContent>
-        <mc:AlternateContent xmlns:mc="http://schemas.openxmlformats.org/markup-compatibility/2006">
-          <mc:Choice xmlns:p14="http://schemas.microsoft.com/office/powerpoint/2010/main" Requires="p14">
+        <mc:AlternateContent xmlns:mc="http://schemas.openxmlformats.org/markup-compatibility/2006" xmlns:p14="http://schemas.microsoft.com/office/powerpoint/2010/main">
+          <mc:Choice Requires="p14">
             <p:contentPart p14:bwMode="auto" r:id="rId110">
               <p14:nvContentPartPr>
                 <p14:cNvPr id="164" name="筆跡 163">
@@ -10600,7 +10603,7 @@
               </p14:xfrm>
             </p:contentPart>
           </mc:Choice>
-          <mc:Fallback>
+          <mc:Fallback xmlns="">
             <p:pic>
               <p:nvPicPr>
                 <p:cNvPr id="164" name="筆跡 163">
@@ -10631,8 +10634,8 @@
             </p:pic>
           </mc:Fallback>
         </mc:AlternateContent>
-        <mc:AlternateContent xmlns:mc="http://schemas.openxmlformats.org/markup-compatibility/2006">
-          <mc:Choice xmlns:p14="http://schemas.microsoft.com/office/powerpoint/2010/main" Requires="p14">
+        <mc:AlternateContent xmlns:mc="http://schemas.openxmlformats.org/markup-compatibility/2006" xmlns:p14="http://schemas.microsoft.com/office/powerpoint/2010/main">
+          <mc:Choice Requires="p14">
             <p:contentPart p14:bwMode="auto" r:id="rId112">
               <p14:nvContentPartPr>
                 <p14:cNvPr id="166" name="筆跡 165">
@@ -10651,7 +10654,7 @@
               </p14:xfrm>
             </p:contentPart>
           </mc:Choice>
-          <mc:Fallback>
+          <mc:Fallback xmlns="">
             <p:pic>
               <p:nvPicPr>
                 <p:cNvPr id="166" name="筆跡 165">
@@ -10682,8 +10685,8 @@
             </p:pic>
           </mc:Fallback>
         </mc:AlternateContent>
-        <mc:AlternateContent xmlns:mc="http://schemas.openxmlformats.org/markup-compatibility/2006">
-          <mc:Choice xmlns:p14="http://schemas.microsoft.com/office/powerpoint/2010/main" Requires="p14">
+        <mc:AlternateContent xmlns:mc="http://schemas.openxmlformats.org/markup-compatibility/2006" xmlns:p14="http://schemas.microsoft.com/office/powerpoint/2010/main">
+          <mc:Choice Requires="p14">
             <p:contentPart p14:bwMode="auto" r:id="rId114">
               <p14:nvContentPartPr>
                 <p14:cNvPr id="167" name="筆跡 166">
@@ -10702,7 +10705,7 @@
               </p14:xfrm>
             </p:contentPart>
           </mc:Choice>
-          <mc:Fallback>
+          <mc:Fallback xmlns="">
             <p:pic>
               <p:nvPicPr>
                 <p:cNvPr id="167" name="筆跡 166">
@@ -10733,8 +10736,8 @@
             </p:pic>
           </mc:Fallback>
         </mc:AlternateContent>
-        <mc:AlternateContent xmlns:mc="http://schemas.openxmlformats.org/markup-compatibility/2006">
-          <mc:Choice xmlns:p14="http://schemas.microsoft.com/office/powerpoint/2010/main" Requires="p14">
+        <mc:AlternateContent xmlns:mc="http://schemas.openxmlformats.org/markup-compatibility/2006" xmlns:p14="http://schemas.microsoft.com/office/powerpoint/2010/main">
+          <mc:Choice Requires="p14">
             <p:contentPart p14:bwMode="auto" r:id="rId116">
               <p14:nvContentPartPr>
                 <p14:cNvPr id="169" name="筆跡 168">
@@ -10753,7 +10756,7 @@
               </p14:xfrm>
             </p:contentPart>
           </mc:Choice>
-          <mc:Fallback>
+          <mc:Fallback xmlns="">
             <p:pic>
               <p:nvPicPr>
                 <p:cNvPr id="169" name="筆跡 168">
@@ -10784,8 +10787,8 @@
             </p:pic>
           </mc:Fallback>
         </mc:AlternateContent>
-        <mc:AlternateContent xmlns:mc="http://schemas.openxmlformats.org/markup-compatibility/2006">
-          <mc:Choice xmlns:p14="http://schemas.microsoft.com/office/powerpoint/2010/main" Requires="p14">
+        <mc:AlternateContent xmlns:mc="http://schemas.openxmlformats.org/markup-compatibility/2006" xmlns:p14="http://schemas.microsoft.com/office/powerpoint/2010/main">
+          <mc:Choice Requires="p14">
             <p:contentPart p14:bwMode="auto" r:id="rId118">
               <p14:nvContentPartPr>
                 <p14:cNvPr id="170" name="筆跡 169">
@@ -10804,7 +10807,7 @@
               </p14:xfrm>
             </p:contentPart>
           </mc:Choice>
-          <mc:Fallback>
+          <mc:Fallback xmlns="">
             <p:pic>
               <p:nvPicPr>
                 <p:cNvPr id="170" name="筆跡 169">
@@ -10835,8 +10838,8 @@
             </p:pic>
           </mc:Fallback>
         </mc:AlternateContent>
-        <mc:AlternateContent xmlns:mc="http://schemas.openxmlformats.org/markup-compatibility/2006">
-          <mc:Choice xmlns:p14="http://schemas.microsoft.com/office/powerpoint/2010/main" Requires="p14">
+        <mc:AlternateContent xmlns:mc="http://schemas.openxmlformats.org/markup-compatibility/2006" xmlns:p14="http://schemas.microsoft.com/office/powerpoint/2010/main">
+          <mc:Choice Requires="p14">
             <p:contentPart p14:bwMode="auto" r:id="rId120">
               <p14:nvContentPartPr>
                 <p14:cNvPr id="171" name="筆跡 170">
@@ -10855,7 +10858,7 @@
               </p14:xfrm>
             </p:contentPart>
           </mc:Choice>
-          <mc:Fallback>
+          <mc:Fallback xmlns="">
             <p:pic>
               <p:nvPicPr>
                 <p:cNvPr id="171" name="筆跡 170">
@@ -10886,8 +10889,8 @@
             </p:pic>
           </mc:Fallback>
         </mc:AlternateContent>
-        <mc:AlternateContent xmlns:mc="http://schemas.openxmlformats.org/markup-compatibility/2006">
-          <mc:Choice xmlns:p14="http://schemas.microsoft.com/office/powerpoint/2010/main" Requires="p14">
+        <mc:AlternateContent xmlns:mc="http://schemas.openxmlformats.org/markup-compatibility/2006" xmlns:p14="http://schemas.microsoft.com/office/powerpoint/2010/main">
+          <mc:Choice Requires="p14">
             <p:contentPart p14:bwMode="auto" r:id="rId122">
               <p14:nvContentPartPr>
                 <p14:cNvPr id="172" name="筆跡 171">
@@ -10906,7 +10909,7 @@
               </p14:xfrm>
             </p:contentPart>
           </mc:Choice>
-          <mc:Fallback>
+          <mc:Fallback xmlns="">
             <p:pic>
               <p:nvPicPr>
                 <p:cNvPr id="172" name="筆跡 171">
@@ -10937,8 +10940,8 @@
             </p:pic>
           </mc:Fallback>
         </mc:AlternateContent>
-        <mc:AlternateContent xmlns:mc="http://schemas.openxmlformats.org/markup-compatibility/2006">
-          <mc:Choice xmlns:p14="http://schemas.microsoft.com/office/powerpoint/2010/main" Requires="p14">
+        <mc:AlternateContent xmlns:mc="http://schemas.openxmlformats.org/markup-compatibility/2006" xmlns:p14="http://schemas.microsoft.com/office/powerpoint/2010/main">
+          <mc:Choice Requires="p14">
             <p:contentPart p14:bwMode="auto" r:id="rId124">
               <p14:nvContentPartPr>
                 <p14:cNvPr id="173" name="筆跡 172">
@@ -10957,7 +10960,7 @@
               </p14:xfrm>
             </p:contentPart>
           </mc:Choice>
-          <mc:Fallback>
+          <mc:Fallback xmlns="">
             <p:pic>
               <p:nvPicPr>
                 <p:cNvPr id="173" name="筆跡 172">
@@ -10988,8 +10991,8 @@
             </p:pic>
           </mc:Fallback>
         </mc:AlternateContent>
-        <mc:AlternateContent xmlns:mc="http://schemas.openxmlformats.org/markup-compatibility/2006">
-          <mc:Choice xmlns:p14="http://schemas.microsoft.com/office/powerpoint/2010/main" Requires="p14">
+        <mc:AlternateContent xmlns:mc="http://schemas.openxmlformats.org/markup-compatibility/2006" xmlns:p14="http://schemas.microsoft.com/office/powerpoint/2010/main">
+          <mc:Choice Requires="p14">
             <p:contentPart p14:bwMode="auto" r:id="rId126">
               <p14:nvContentPartPr>
                 <p14:cNvPr id="174" name="筆跡 173">
@@ -11008,7 +11011,7 @@
               </p14:xfrm>
             </p:contentPart>
           </mc:Choice>
-          <mc:Fallback>
+          <mc:Fallback xmlns="">
             <p:pic>
               <p:nvPicPr>
                 <p:cNvPr id="174" name="筆跡 173">
@@ -11039,8 +11042,8 @@
             </p:pic>
           </mc:Fallback>
         </mc:AlternateContent>
-        <mc:AlternateContent xmlns:mc="http://schemas.openxmlformats.org/markup-compatibility/2006">
-          <mc:Choice xmlns:p14="http://schemas.microsoft.com/office/powerpoint/2010/main" Requires="p14">
+        <mc:AlternateContent xmlns:mc="http://schemas.openxmlformats.org/markup-compatibility/2006" xmlns:p14="http://schemas.microsoft.com/office/powerpoint/2010/main">
+          <mc:Choice Requires="p14">
             <p:contentPart p14:bwMode="auto" r:id="rId128">
               <p14:nvContentPartPr>
                 <p14:cNvPr id="175" name="筆跡 174">
@@ -11059,7 +11062,7 @@
               </p14:xfrm>
             </p:contentPart>
           </mc:Choice>
-          <mc:Fallback>
+          <mc:Fallback xmlns="">
             <p:pic>
               <p:nvPicPr>
                 <p:cNvPr id="175" name="筆跡 174">
@@ -11090,8 +11093,8 @@
             </p:pic>
           </mc:Fallback>
         </mc:AlternateContent>
-        <mc:AlternateContent xmlns:mc="http://schemas.openxmlformats.org/markup-compatibility/2006">
-          <mc:Choice xmlns:p14="http://schemas.microsoft.com/office/powerpoint/2010/main" Requires="p14">
+        <mc:AlternateContent xmlns:mc="http://schemas.openxmlformats.org/markup-compatibility/2006" xmlns:p14="http://schemas.microsoft.com/office/powerpoint/2010/main">
+          <mc:Choice Requires="p14">
             <p:contentPart p14:bwMode="auto" r:id="rId130">
               <p14:nvContentPartPr>
                 <p14:cNvPr id="176" name="筆跡 175">
@@ -11110,7 +11113,7 @@
               </p14:xfrm>
             </p:contentPart>
           </mc:Choice>
-          <mc:Fallback>
+          <mc:Fallback xmlns="">
             <p:pic>
               <p:nvPicPr>
                 <p:cNvPr id="176" name="筆跡 175">
@@ -11141,8 +11144,8 @@
             </p:pic>
           </mc:Fallback>
         </mc:AlternateContent>
-        <mc:AlternateContent xmlns:mc="http://schemas.openxmlformats.org/markup-compatibility/2006">
-          <mc:Choice xmlns:p14="http://schemas.microsoft.com/office/powerpoint/2010/main" Requires="p14">
+        <mc:AlternateContent xmlns:mc="http://schemas.openxmlformats.org/markup-compatibility/2006" xmlns:p14="http://schemas.microsoft.com/office/powerpoint/2010/main">
+          <mc:Choice Requires="p14">
             <p:contentPart p14:bwMode="auto" r:id="rId132">
               <p14:nvContentPartPr>
                 <p14:cNvPr id="200" name="筆跡 199">
@@ -11161,7 +11164,7 @@
               </p14:xfrm>
             </p:contentPart>
           </mc:Choice>
-          <mc:Fallback>
+          <mc:Fallback xmlns="">
             <p:pic>
               <p:nvPicPr>
                 <p:cNvPr id="200" name="筆跡 199">
@@ -11192,8 +11195,8 @@
             </p:pic>
           </mc:Fallback>
         </mc:AlternateContent>
-        <mc:AlternateContent xmlns:mc="http://schemas.openxmlformats.org/markup-compatibility/2006">
-          <mc:Choice xmlns:p14="http://schemas.microsoft.com/office/powerpoint/2010/main" Requires="p14">
+        <mc:AlternateContent xmlns:mc="http://schemas.openxmlformats.org/markup-compatibility/2006" xmlns:p14="http://schemas.microsoft.com/office/powerpoint/2010/main">
+          <mc:Choice Requires="p14">
             <p:contentPart p14:bwMode="auto" r:id="rId134">
               <p14:nvContentPartPr>
                 <p14:cNvPr id="201" name="筆跡 200">
@@ -11212,7 +11215,7 @@
               </p14:xfrm>
             </p:contentPart>
           </mc:Choice>
-          <mc:Fallback>
+          <mc:Fallback xmlns="">
             <p:pic>
               <p:nvPicPr>
                 <p:cNvPr id="201" name="筆跡 200">
@@ -11243,8 +11246,8 @@
             </p:pic>
           </mc:Fallback>
         </mc:AlternateContent>
-        <mc:AlternateContent xmlns:mc="http://schemas.openxmlformats.org/markup-compatibility/2006">
-          <mc:Choice xmlns:p14="http://schemas.microsoft.com/office/powerpoint/2010/main" Requires="p14">
+        <mc:AlternateContent xmlns:mc="http://schemas.openxmlformats.org/markup-compatibility/2006" xmlns:p14="http://schemas.microsoft.com/office/powerpoint/2010/main">
+          <mc:Choice Requires="p14">
             <p:contentPart p14:bwMode="auto" r:id="rId136">
               <p14:nvContentPartPr>
                 <p14:cNvPr id="207" name="筆跡 206">
@@ -11263,7 +11266,7 @@
               </p14:xfrm>
             </p:contentPart>
           </mc:Choice>
-          <mc:Fallback>
+          <mc:Fallback xmlns="">
             <p:pic>
               <p:nvPicPr>
                 <p:cNvPr id="207" name="筆跡 206">
@@ -11294,8 +11297,8 @@
             </p:pic>
           </mc:Fallback>
         </mc:AlternateContent>
-        <mc:AlternateContent xmlns:mc="http://schemas.openxmlformats.org/markup-compatibility/2006">
-          <mc:Choice xmlns:p14="http://schemas.microsoft.com/office/powerpoint/2010/main" Requires="p14">
+        <mc:AlternateContent xmlns:mc="http://schemas.openxmlformats.org/markup-compatibility/2006" xmlns:p14="http://schemas.microsoft.com/office/powerpoint/2010/main">
+          <mc:Choice Requires="p14">
             <p:contentPart p14:bwMode="auto" r:id="rId138">
               <p14:nvContentPartPr>
                 <p14:cNvPr id="208" name="筆跡 207">
@@ -11314,7 +11317,7 @@
               </p14:xfrm>
             </p:contentPart>
           </mc:Choice>
-          <mc:Fallback>
+          <mc:Fallback xmlns="">
             <p:pic>
               <p:nvPicPr>
                 <p:cNvPr id="208" name="筆跡 207">
@@ -11345,8 +11348,8 @@
             </p:pic>
           </mc:Fallback>
         </mc:AlternateContent>
-        <mc:AlternateContent xmlns:mc="http://schemas.openxmlformats.org/markup-compatibility/2006">
-          <mc:Choice xmlns:p14="http://schemas.microsoft.com/office/powerpoint/2010/main" Requires="p14">
+        <mc:AlternateContent xmlns:mc="http://schemas.openxmlformats.org/markup-compatibility/2006" xmlns:p14="http://schemas.microsoft.com/office/powerpoint/2010/main">
+          <mc:Choice Requires="p14">
             <p:contentPart p14:bwMode="auto" r:id="rId140">
               <p14:nvContentPartPr>
                 <p14:cNvPr id="210" name="筆跡 209">
@@ -11365,7 +11368,7 @@
               </p14:xfrm>
             </p:contentPart>
           </mc:Choice>
-          <mc:Fallback>
+          <mc:Fallback xmlns="">
             <p:pic>
               <p:nvPicPr>
                 <p:cNvPr id="210" name="筆跡 209">
@@ -11396,8 +11399,8 @@
             </p:pic>
           </mc:Fallback>
         </mc:AlternateContent>
-        <mc:AlternateContent xmlns:mc="http://schemas.openxmlformats.org/markup-compatibility/2006">
-          <mc:Choice xmlns:p14="http://schemas.microsoft.com/office/powerpoint/2010/main" Requires="p14">
+        <mc:AlternateContent xmlns:mc="http://schemas.openxmlformats.org/markup-compatibility/2006" xmlns:p14="http://schemas.microsoft.com/office/powerpoint/2010/main">
+          <mc:Choice Requires="p14">
             <p:contentPart p14:bwMode="auto" r:id="rId142">
               <p14:nvContentPartPr>
                 <p14:cNvPr id="211" name="筆跡 210">
@@ -11416,7 +11419,7 @@
               </p14:xfrm>
             </p:contentPart>
           </mc:Choice>
-          <mc:Fallback>
+          <mc:Fallback xmlns="">
             <p:pic>
               <p:nvPicPr>
                 <p:cNvPr id="211" name="筆跡 210">
@@ -11447,8 +11450,8 @@
             </p:pic>
           </mc:Fallback>
         </mc:AlternateContent>
-        <mc:AlternateContent xmlns:mc="http://schemas.openxmlformats.org/markup-compatibility/2006">
-          <mc:Choice xmlns:p14="http://schemas.microsoft.com/office/powerpoint/2010/main" Requires="p14">
+        <mc:AlternateContent xmlns:mc="http://schemas.openxmlformats.org/markup-compatibility/2006" xmlns:p14="http://schemas.microsoft.com/office/powerpoint/2010/main">
+          <mc:Choice Requires="p14">
             <p:contentPart p14:bwMode="auto" r:id="rId144">
               <p14:nvContentPartPr>
                 <p14:cNvPr id="213" name="筆跡 212">
@@ -11467,7 +11470,7 @@
               </p14:xfrm>
             </p:contentPart>
           </mc:Choice>
-          <mc:Fallback>
+          <mc:Fallback xmlns="">
             <p:pic>
               <p:nvPicPr>
                 <p:cNvPr id="213" name="筆跡 212">
@@ -11498,8 +11501,8 @@
             </p:pic>
           </mc:Fallback>
         </mc:AlternateContent>
-        <mc:AlternateContent xmlns:mc="http://schemas.openxmlformats.org/markup-compatibility/2006">
-          <mc:Choice xmlns:p14="http://schemas.microsoft.com/office/powerpoint/2010/main" Requires="p14">
+        <mc:AlternateContent xmlns:mc="http://schemas.openxmlformats.org/markup-compatibility/2006" xmlns:p14="http://schemas.microsoft.com/office/powerpoint/2010/main">
+          <mc:Choice Requires="p14">
             <p:contentPart p14:bwMode="auto" r:id="rId146">
               <p14:nvContentPartPr>
                 <p14:cNvPr id="214" name="筆跡 213">
@@ -11518,7 +11521,7 @@
               </p14:xfrm>
             </p:contentPart>
           </mc:Choice>
-          <mc:Fallback>
+          <mc:Fallback xmlns="">
             <p:pic>
               <p:nvPicPr>
                 <p:cNvPr id="214" name="筆跡 213">
@@ -11549,8 +11552,8 @@
             </p:pic>
           </mc:Fallback>
         </mc:AlternateContent>
-        <mc:AlternateContent xmlns:mc="http://schemas.openxmlformats.org/markup-compatibility/2006">
-          <mc:Choice xmlns:p14="http://schemas.microsoft.com/office/powerpoint/2010/main" Requires="p14">
+        <mc:AlternateContent xmlns:mc="http://schemas.openxmlformats.org/markup-compatibility/2006" xmlns:p14="http://schemas.microsoft.com/office/powerpoint/2010/main">
+          <mc:Choice Requires="p14">
             <p:contentPart p14:bwMode="auto" r:id="rId148">
               <p14:nvContentPartPr>
                 <p14:cNvPr id="215" name="筆跡 214">
@@ -11569,7 +11572,7 @@
               </p14:xfrm>
             </p:contentPart>
           </mc:Choice>
-          <mc:Fallback>
+          <mc:Fallback xmlns="">
             <p:pic>
               <p:nvPicPr>
                 <p:cNvPr id="215" name="筆跡 214">
@@ -11600,8 +11603,8 @@
             </p:pic>
           </mc:Fallback>
         </mc:AlternateContent>
-        <mc:AlternateContent xmlns:mc="http://schemas.openxmlformats.org/markup-compatibility/2006">
-          <mc:Choice xmlns:p14="http://schemas.microsoft.com/office/powerpoint/2010/main" Requires="p14">
+        <mc:AlternateContent xmlns:mc="http://schemas.openxmlformats.org/markup-compatibility/2006" xmlns:p14="http://schemas.microsoft.com/office/powerpoint/2010/main">
+          <mc:Choice Requires="p14">
             <p:contentPart p14:bwMode="auto" r:id="rId150">
               <p14:nvContentPartPr>
                 <p14:cNvPr id="216" name="筆跡 215">
@@ -11620,7 +11623,7 @@
               </p14:xfrm>
             </p:contentPart>
           </mc:Choice>
-          <mc:Fallback>
+          <mc:Fallback xmlns="">
             <p:pic>
               <p:nvPicPr>
                 <p:cNvPr id="216" name="筆跡 215">
@@ -11651,8 +11654,8 @@
             </p:pic>
           </mc:Fallback>
         </mc:AlternateContent>
-        <mc:AlternateContent xmlns:mc="http://schemas.openxmlformats.org/markup-compatibility/2006">
-          <mc:Choice xmlns:p14="http://schemas.microsoft.com/office/powerpoint/2010/main" Requires="p14">
+        <mc:AlternateContent xmlns:mc="http://schemas.openxmlformats.org/markup-compatibility/2006" xmlns:p14="http://schemas.microsoft.com/office/powerpoint/2010/main">
+          <mc:Choice Requires="p14">
             <p:contentPart p14:bwMode="auto" r:id="rId152">
               <p14:nvContentPartPr>
                 <p14:cNvPr id="233" name="筆跡 232">
@@ -11671,7 +11674,7 @@
               </p14:xfrm>
             </p:contentPart>
           </mc:Choice>
-          <mc:Fallback>
+          <mc:Fallback xmlns="">
             <p:pic>
               <p:nvPicPr>
                 <p:cNvPr id="233" name="筆跡 232">
@@ -11702,8 +11705,8 @@
             </p:pic>
           </mc:Fallback>
         </mc:AlternateContent>
-        <mc:AlternateContent xmlns:mc="http://schemas.openxmlformats.org/markup-compatibility/2006">
-          <mc:Choice xmlns:p14="http://schemas.microsoft.com/office/powerpoint/2010/main" Requires="p14">
+        <mc:AlternateContent xmlns:mc="http://schemas.openxmlformats.org/markup-compatibility/2006" xmlns:p14="http://schemas.microsoft.com/office/powerpoint/2010/main">
+          <mc:Choice Requires="p14">
             <p:contentPart p14:bwMode="auto" r:id="rId154">
               <p14:nvContentPartPr>
                 <p14:cNvPr id="234" name="筆跡 233">
@@ -11722,7 +11725,7 @@
               </p14:xfrm>
             </p:contentPart>
           </mc:Choice>
-          <mc:Fallback>
+          <mc:Fallback xmlns="">
             <p:pic>
               <p:nvPicPr>
                 <p:cNvPr id="234" name="筆跡 233">
@@ -11753,8 +11756,8 @@
             </p:pic>
           </mc:Fallback>
         </mc:AlternateContent>
-        <mc:AlternateContent xmlns:mc="http://schemas.openxmlformats.org/markup-compatibility/2006">
-          <mc:Choice xmlns:p14="http://schemas.microsoft.com/office/powerpoint/2010/main" Requires="p14">
+        <mc:AlternateContent xmlns:mc="http://schemas.openxmlformats.org/markup-compatibility/2006" xmlns:p14="http://schemas.microsoft.com/office/powerpoint/2010/main">
+          <mc:Choice Requires="p14">
             <p:contentPart p14:bwMode="auto" r:id="rId156">
               <p14:nvContentPartPr>
                 <p14:cNvPr id="235" name="筆跡 234">
@@ -11773,7 +11776,7 @@
               </p14:xfrm>
             </p:contentPart>
           </mc:Choice>
-          <mc:Fallback>
+          <mc:Fallback xmlns="">
             <p:pic>
               <p:nvPicPr>
                 <p:cNvPr id="235" name="筆跡 234">
@@ -11804,8 +11807,8 @@
             </p:pic>
           </mc:Fallback>
         </mc:AlternateContent>
-        <mc:AlternateContent xmlns:mc="http://schemas.openxmlformats.org/markup-compatibility/2006">
-          <mc:Choice xmlns:p14="http://schemas.microsoft.com/office/powerpoint/2010/main" Requires="p14">
+        <mc:AlternateContent xmlns:mc="http://schemas.openxmlformats.org/markup-compatibility/2006" xmlns:p14="http://schemas.microsoft.com/office/powerpoint/2010/main">
+          <mc:Choice Requires="p14">
             <p:contentPart p14:bwMode="auto" r:id="rId158">
               <p14:nvContentPartPr>
                 <p14:cNvPr id="236" name="筆跡 235">
@@ -11824,7 +11827,7 @@
               </p14:xfrm>
             </p:contentPart>
           </mc:Choice>
-          <mc:Fallback>
+          <mc:Fallback xmlns="">
             <p:pic>
               <p:nvPicPr>
                 <p:cNvPr id="236" name="筆跡 235">
@@ -11855,8 +11858,8 @@
             </p:pic>
           </mc:Fallback>
         </mc:AlternateContent>
-        <mc:AlternateContent xmlns:mc="http://schemas.openxmlformats.org/markup-compatibility/2006">
-          <mc:Choice xmlns:p14="http://schemas.microsoft.com/office/powerpoint/2010/main" Requires="p14">
+        <mc:AlternateContent xmlns:mc="http://schemas.openxmlformats.org/markup-compatibility/2006" xmlns:p14="http://schemas.microsoft.com/office/powerpoint/2010/main">
+          <mc:Choice Requires="p14">
             <p:contentPart p14:bwMode="auto" r:id="rId160">
               <p14:nvContentPartPr>
                 <p14:cNvPr id="237" name="筆跡 236">
@@ -11875,7 +11878,7 @@
               </p14:xfrm>
             </p:contentPart>
           </mc:Choice>
-          <mc:Fallback>
+          <mc:Fallback xmlns="">
             <p:pic>
               <p:nvPicPr>
                 <p:cNvPr id="237" name="筆跡 236">
@@ -11906,8 +11909,8 @@
             </p:pic>
           </mc:Fallback>
         </mc:AlternateContent>
-        <mc:AlternateContent xmlns:mc="http://schemas.openxmlformats.org/markup-compatibility/2006">
-          <mc:Choice xmlns:p14="http://schemas.microsoft.com/office/powerpoint/2010/main" Requires="p14">
+        <mc:AlternateContent xmlns:mc="http://schemas.openxmlformats.org/markup-compatibility/2006" xmlns:p14="http://schemas.microsoft.com/office/powerpoint/2010/main">
+          <mc:Choice Requires="p14">
             <p:contentPart p14:bwMode="auto" r:id="rId162">
               <p14:nvContentPartPr>
                 <p14:cNvPr id="238" name="筆跡 237">
@@ -11926,7 +11929,7 @@
               </p14:xfrm>
             </p:contentPart>
           </mc:Choice>
-          <mc:Fallback>
+          <mc:Fallback xmlns="">
             <p:pic>
               <p:nvPicPr>
                 <p:cNvPr id="238" name="筆跡 237">
@@ -11957,8 +11960,8 @@
             </p:pic>
           </mc:Fallback>
         </mc:AlternateContent>
-        <mc:AlternateContent xmlns:mc="http://schemas.openxmlformats.org/markup-compatibility/2006">
-          <mc:Choice xmlns:p14="http://schemas.microsoft.com/office/powerpoint/2010/main" Requires="p14">
+        <mc:AlternateContent xmlns:mc="http://schemas.openxmlformats.org/markup-compatibility/2006" xmlns:p14="http://schemas.microsoft.com/office/powerpoint/2010/main">
+          <mc:Choice Requires="p14">
             <p:contentPart p14:bwMode="auto" r:id="rId164">
               <p14:nvContentPartPr>
                 <p14:cNvPr id="239" name="筆跡 238">
@@ -11977,7 +11980,7 @@
               </p14:xfrm>
             </p:contentPart>
           </mc:Choice>
-          <mc:Fallback>
+          <mc:Fallback xmlns="">
             <p:pic>
               <p:nvPicPr>
                 <p:cNvPr id="239" name="筆跡 238">
@@ -12008,8 +12011,8 @@
             </p:pic>
           </mc:Fallback>
         </mc:AlternateContent>
-        <mc:AlternateContent xmlns:mc="http://schemas.openxmlformats.org/markup-compatibility/2006">
-          <mc:Choice xmlns:p14="http://schemas.microsoft.com/office/powerpoint/2010/main" Requires="p14">
+        <mc:AlternateContent xmlns:mc="http://schemas.openxmlformats.org/markup-compatibility/2006" xmlns:p14="http://schemas.microsoft.com/office/powerpoint/2010/main">
+          <mc:Choice Requires="p14">
             <p:contentPart p14:bwMode="auto" r:id="rId166">
               <p14:nvContentPartPr>
                 <p14:cNvPr id="240" name="筆跡 239">
@@ -12028,7 +12031,7 @@
               </p14:xfrm>
             </p:contentPart>
           </mc:Choice>
-          <mc:Fallback>
+          <mc:Fallback xmlns="">
             <p:pic>
               <p:nvPicPr>
                 <p:cNvPr id="240" name="筆跡 239">
@@ -12059,8 +12062,8 @@
             </p:pic>
           </mc:Fallback>
         </mc:AlternateContent>
-        <mc:AlternateContent xmlns:mc="http://schemas.openxmlformats.org/markup-compatibility/2006">
-          <mc:Choice xmlns:p14="http://schemas.microsoft.com/office/powerpoint/2010/main" Requires="p14">
+        <mc:AlternateContent xmlns:mc="http://schemas.openxmlformats.org/markup-compatibility/2006" xmlns:p14="http://schemas.microsoft.com/office/powerpoint/2010/main">
+          <mc:Choice Requires="p14">
             <p:contentPart p14:bwMode="auto" r:id="rId168">
               <p14:nvContentPartPr>
                 <p14:cNvPr id="241" name="筆跡 240">
@@ -12079,7 +12082,7 @@
               </p14:xfrm>
             </p:contentPart>
           </mc:Choice>
-          <mc:Fallback>
+          <mc:Fallback xmlns="">
             <p:pic>
               <p:nvPicPr>
                 <p:cNvPr id="241" name="筆跡 240">
@@ -12110,8 +12113,8 @@
             </p:pic>
           </mc:Fallback>
         </mc:AlternateContent>
-        <mc:AlternateContent xmlns:mc="http://schemas.openxmlformats.org/markup-compatibility/2006">
-          <mc:Choice xmlns:p14="http://schemas.microsoft.com/office/powerpoint/2010/main" Requires="p14">
+        <mc:AlternateContent xmlns:mc="http://schemas.openxmlformats.org/markup-compatibility/2006" xmlns:p14="http://schemas.microsoft.com/office/powerpoint/2010/main">
+          <mc:Choice Requires="p14">
             <p:contentPart p14:bwMode="auto" r:id="rId170">
               <p14:nvContentPartPr>
                 <p14:cNvPr id="242" name="筆跡 241">
@@ -12130,7 +12133,7 @@
               </p14:xfrm>
             </p:contentPart>
           </mc:Choice>
-          <mc:Fallback>
+          <mc:Fallback xmlns="">
             <p:pic>
               <p:nvPicPr>
                 <p:cNvPr id="242" name="筆跡 241">
@@ -12161,8 +12164,8 @@
             </p:pic>
           </mc:Fallback>
         </mc:AlternateContent>
-        <mc:AlternateContent xmlns:mc="http://schemas.openxmlformats.org/markup-compatibility/2006">
-          <mc:Choice xmlns:p14="http://schemas.microsoft.com/office/powerpoint/2010/main" Requires="p14">
+        <mc:AlternateContent xmlns:mc="http://schemas.openxmlformats.org/markup-compatibility/2006" xmlns:p14="http://schemas.microsoft.com/office/powerpoint/2010/main">
+          <mc:Choice Requires="p14">
             <p:contentPart p14:bwMode="auto" r:id="rId172">
               <p14:nvContentPartPr>
                 <p14:cNvPr id="243" name="筆跡 242">
@@ -12181,7 +12184,7 @@
               </p14:xfrm>
             </p:contentPart>
           </mc:Choice>
-          <mc:Fallback>
+          <mc:Fallback xmlns="">
             <p:pic>
               <p:nvPicPr>
                 <p:cNvPr id="243" name="筆跡 242">
@@ -12212,8 +12215,8 @@
             </p:pic>
           </mc:Fallback>
         </mc:AlternateContent>
-        <mc:AlternateContent xmlns:mc="http://schemas.openxmlformats.org/markup-compatibility/2006">
-          <mc:Choice xmlns:p14="http://schemas.microsoft.com/office/powerpoint/2010/main" Requires="p14">
+        <mc:AlternateContent xmlns:mc="http://schemas.openxmlformats.org/markup-compatibility/2006" xmlns:p14="http://schemas.microsoft.com/office/powerpoint/2010/main">
+          <mc:Choice Requires="p14">
             <p:contentPart p14:bwMode="auto" r:id="rId174">
               <p14:nvContentPartPr>
                 <p14:cNvPr id="245" name="筆跡 244">
@@ -12232,7 +12235,7 @@
               </p14:xfrm>
             </p:contentPart>
           </mc:Choice>
-          <mc:Fallback>
+          <mc:Fallback xmlns="">
             <p:pic>
               <p:nvPicPr>
                 <p:cNvPr id="245" name="筆跡 244">
@@ -12263,8 +12266,8 @@
             </p:pic>
           </mc:Fallback>
         </mc:AlternateContent>
-        <mc:AlternateContent xmlns:mc="http://schemas.openxmlformats.org/markup-compatibility/2006">
-          <mc:Choice xmlns:p14="http://schemas.microsoft.com/office/powerpoint/2010/main" Requires="p14">
+        <mc:AlternateContent xmlns:mc="http://schemas.openxmlformats.org/markup-compatibility/2006" xmlns:p14="http://schemas.microsoft.com/office/powerpoint/2010/main">
+          <mc:Choice Requires="p14">
             <p:contentPart p14:bwMode="auto" r:id="rId176">
               <p14:nvContentPartPr>
                 <p14:cNvPr id="246" name="筆跡 245">
@@ -12283,7 +12286,7 @@
               </p14:xfrm>
             </p:contentPart>
           </mc:Choice>
-          <mc:Fallback>
+          <mc:Fallback xmlns="">
             <p:pic>
               <p:nvPicPr>
                 <p:cNvPr id="246" name="筆跡 245">
@@ -12314,8 +12317,8 @@
             </p:pic>
           </mc:Fallback>
         </mc:AlternateContent>
-        <mc:AlternateContent xmlns:mc="http://schemas.openxmlformats.org/markup-compatibility/2006">
-          <mc:Choice xmlns:p14="http://schemas.microsoft.com/office/powerpoint/2010/main" Requires="p14">
+        <mc:AlternateContent xmlns:mc="http://schemas.openxmlformats.org/markup-compatibility/2006" xmlns:p14="http://schemas.microsoft.com/office/powerpoint/2010/main">
+          <mc:Choice Requires="p14">
             <p:contentPart p14:bwMode="auto" r:id="rId178">
               <p14:nvContentPartPr>
                 <p14:cNvPr id="250" name="筆跡 249">
@@ -12334,7 +12337,7 @@
               </p14:xfrm>
             </p:contentPart>
           </mc:Choice>
-          <mc:Fallback>
+          <mc:Fallback xmlns="">
             <p:pic>
               <p:nvPicPr>
                 <p:cNvPr id="250" name="筆跡 249">
@@ -12365,8 +12368,8 @@
             </p:pic>
           </mc:Fallback>
         </mc:AlternateContent>
-        <mc:AlternateContent xmlns:mc="http://schemas.openxmlformats.org/markup-compatibility/2006">
-          <mc:Choice xmlns:p14="http://schemas.microsoft.com/office/powerpoint/2010/main" Requires="p14">
+        <mc:AlternateContent xmlns:mc="http://schemas.openxmlformats.org/markup-compatibility/2006" xmlns:p14="http://schemas.microsoft.com/office/powerpoint/2010/main">
+          <mc:Choice Requires="p14">
             <p:contentPart p14:bwMode="auto" r:id="rId180">
               <p14:nvContentPartPr>
                 <p14:cNvPr id="251" name="筆跡 250">
@@ -12385,7 +12388,7 @@
               </p14:xfrm>
             </p:contentPart>
           </mc:Choice>
-          <mc:Fallback>
+          <mc:Fallback xmlns="">
             <p:pic>
               <p:nvPicPr>
                 <p:cNvPr id="251" name="筆跡 250">
@@ -12416,8 +12419,8 @@
             </p:pic>
           </mc:Fallback>
         </mc:AlternateContent>
-        <mc:AlternateContent xmlns:mc="http://schemas.openxmlformats.org/markup-compatibility/2006">
-          <mc:Choice xmlns:p14="http://schemas.microsoft.com/office/powerpoint/2010/main" Requires="p14">
+        <mc:AlternateContent xmlns:mc="http://schemas.openxmlformats.org/markup-compatibility/2006" xmlns:p14="http://schemas.microsoft.com/office/powerpoint/2010/main">
+          <mc:Choice Requires="p14">
             <p:contentPart p14:bwMode="auto" r:id="rId182">
               <p14:nvContentPartPr>
                 <p14:cNvPr id="252" name="筆跡 251">
@@ -12436,7 +12439,7 @@
               </p14:xfrm>
             </p:contentPart>
           </mc:Choice>
-          <mc:Fallback>
+          <mc:Fallback xmlns="">
             <p:pic>
               <p:nvPicPr>
                 <p:cNvPr id="252" name="筆跡 251">
@@ -12467,8 +12470,8 @@
             </p:pic>
           </mc:Fallback>
         </mc:AlternateContent>
-        <mc:AlternateContent xmlns:mc="http://schemas.openxmlformats.org/markup-compatibility/2006">
-          <mc:Choice xmlns:p14="http://schemas.microsoft.com/office/powerpoint/2010/main" Requires="p14">
+        <mc:AlternateContent xmlns:mc="http://schemas.openxmlformats.org/markup-compatibility/2006" xmlns:p14="http://schemas.microsoft.com/office/powerpoint/2010/main">
+          <mc:Choice Requires="p14">
             <p:contentPart p14:bwMode="auto" r:id="rId184">
               <p14:nvContentPartPr>
                 <p14:cNvPr id="253" name="筆跡 252">
@@ -12487,7 +12490,7 @@
               </p14:xfrm>
             </p:contentPart>
           </mc:Choice>
-          <mc:Fallback>
+          <mc:Fallback xmlns="">
             <p:pic>
               <p:nvPicPr>
                 <p:cNvPr id="253" name="筆跡 252">
@@ -12518,8 +12521,8 @@
             </p:pic>
           </mc:Fallback>
         </mc:AlternateContent>
-        <mc:AlternateContent xmlns:mc="http://schemas.openxmlformats.org/markup-compatibility/2006">
-          <mc:Choice xmlns:p14="http://schemas.microsoft.com/office/powerpoint/2010/main" Requires="p14">
+        <mc:AlternateContent xmlns:mc="http://schemas.openxmlformats.org/markup-compatibility/2006" xmlns:p14="http://schemas.microsoft.com/office/powerpoint/2010/main">
+          <mc:Choice Requires="p14">
             <p:contentPart p14:bwMode="auto" r:id="rId186">
               <p14:nvContentPartPr>
                 <p14:cNvPr id="260" name="筆跡 259">
@@ -12538,7 +12541,7 @@
               </p14:xfrm>
             </p:contentPart>
           </mc:Choice>
-          <mc:Fallback>
+          <mc:Fallback xmlns="">
             <p:pic>
               <p:nvPicPr>
                 <p:cNvPr id="260" name="筆跡 259">
@@ -12569,8 +12572,8 @@
             </p:pic>
           </mc:Fallback>
         </mc:AlternateContent>
-        <mc:AlternateContent xmlns:mc="http://schemas.openxmlformats.org/markup-compatibility/2006">
-          <mc:Choice xmlns:p14="http://schemas.microsoft.com/office/powerpoint/2010/main" Requires="p14">
+        <mc:AlternateContent xmlns:mc="http://schemas.openxmlformats.org/markup-compatibility/2006" xmlns:p14="http://schemas.microsoft.com/office/powerpoint/2010/main">
+          <mc:Choice Requires="p14">
             <p:contentPart p14:bwMode="auto" r:id="rId188">
               <p14:nvContentPartPr>
                 <p14:cNvPr id="261" name="筆跡 260">
@@ -12589,7 +12592,7 @@
               </p14:xfrm>
             </p:contentPart>
           </mc:Choice>
-          <mc:Fallback>
+          <mc:Fallback xmlns="">
             <p:pic>
               <p:nvPicPr>
                 <p:cNvPr id="261" name="筆跡 260">
@@ -12620,8 +12623,8 @@
             </p:pic>
           </mc:Fallback>
         </mc:AlternateContent>
-        <mc:AlternateContent xmlns:mc="http://schemas.openxmlformats.org/markup-compatibility/2006">
-          <mc:Choice xmlns:p14="http://schemas.microsoft.com/office/powerpoint/2010/main" Requires="p14">
+        <mc:AlternateContent xmlns:mc="http://schemas.openxmlformats.org/markup-compatibility/2006" xmlns:p14="http://schemas.microsoft.com/office/powerpoint/2010/main">
+          <mc:Choice Requires="p14">
             <p:contentPart p14:bwMode="auto" r:id="rId190">
               <p14:nvContentPartPr>
                 <p14:cNvPr id="262" name="筆跡 261">
@@ -12640,7 +12643,7 @@
               </p14:xfrm>
             </p:contentPart>
           </mc:Choice>
-          <mc:Fallback>
+          <mc:Fallback xmlns="">
             <p:pic>
               <p:nvPicPr>
                 <p:cNvPr id="262" name="筆跡 261">
@@ -12671,8 +12674,8 @@
             </p:pic>
           </mc:Fallback>
         </mc:AlternateContent>
-        <mc:AlternateContent xmlns:mc="http://schemas.openxmlformats.org/markup-compatibility/2006">
-          <mc:Choice xmlns:p14="http://schemas.microsoft.com/office/powerpoint/2010/main" Requires="p14">
+        <mc:AlternateContent xmlns:mc="http://schemas.openxmlformats.org/markup-compatibility/2006" xmlns:p14="http://schemas.microsoft.com/office/powerpoint/2010/main">
+          <mc:Choice Requires="p14">
             <p:contentPart p14:bwMode="auto" r:id="rId192">
               <p14:nvContentPartPr>
                 <p14:cNvPr id="264" name="筆跡 263">
@@ -12691,7 +12694,7 @@
               </p14:xfrm>
             </p:contentPart>
           </mc:Choice>
-          <mc:Fallback>
+          <mc:Fallback xmlns="">
             <p:pic>
               <p:nvPicPr>
                 <p:cNvPr id="264" name="筆跡 263">
@@ -12722,8 +12725,8 @@
             </p:pic>
           </mc:Fallback>
         </mc:AlternateContent>
-        <mc:AlternateContent xmlns:mc="http://schemas.openxmlformats.org/markup-compatibility/2006">
-          <mc:Choice xmlns:p14="http://schemas.microsoft.com/office/powerpoint/2010/main" Requires="p14">
+        <mc:AlternateContent xmlns:mc="http://schemas.openxmlformats.org/markup-compatibility/2006" xmlns:p14="http://schemas.microsoft.com/office/powerpoint/2010/main">
+          <mc:Choice Requires="p14">
             <p:contentPart p14:bwMode="auto" r:id="rId194">
               <p14:nvContentPartPr>
                 <p14:cNvPr id="265" name="筆跡 264">
@@ -12742,7 +12745,7 @@
               </p14:xfrm>
             </p:contentPart>
           </mc:Choice>
-          <mc:Fallback>
+          <mc:Fallback xmlns="">
             <p:pic>
               <p:nvPicPr>
                 <p:cNvPr id="265" name="筆跡 264">
@@ -12773,8 +12776,8 @@
             </p:pic>
           </mc:Fallback>
         </mc:AlternateContent>
-        <mc:AlternateContent xmlns:mc="http://schemas.openxmlformats.org/markup-compatibility/2006">
-          <mc:Choice xmlns:p14="http://schemas.microsoft.com/office/powerpoint/2010/main" Requires="p14">
+        <mc:AlternateContent xmlns:mc="http://schemas.openxmlformats.org/markup-compatibility/2006" xmlns:p14="http://schemas.microsoft.com/office/powerpoint/2010/main">
+          <mc:Choice Requires="p14">
             <p:contentPart p14:bwMode="auto" r:id="rId196">
               <p14:nvContentPartPr>
                 <p14:cNvPr id="267" name="筆跡 266">
@@ -12793,7 +12796,7 @@
               </p14:xfrm>
             </p:contentPart>
           </mc:Choice>
-          <mc:Fallback>
+          <mc:Fallback xmlns="">
             <p:pic>
               <p:nvPicPr>
                 <p:cNvPr id="267" name="筆跡 266">
@@ -12824,8 +12827,8 @@
             </p:pic>
           </mc:Fallback>
         </mc:AlternateContent>
-        <mc:AlternateContent xmlns:mc="http://schemas.openxmlformats.org/markup-compatibility/2006">
-          <mc:Choice xmlns:p14="http://schemas.microsoft.com/office/powerpoint/2010/main" Requires="p14">
+        <mc:AlternateContent xmlns:mc="http://schemas.openxmlformats.org/markup-compatibility/2006" xmlns:p14="http://schemas.microsoft.com/office/powerpoint/2010/main">
+          <mc:Choice Requires="p14">
             <p:contentPart p14:bwMode="auto" r:id="rId198">
               <p14:nvContentPartPr>
                 <p14:cNvPr id="268" name="筆跡 267">
@@ -12844,7 +12847,7 @@
               </p14:xfrm>
             </p:contentPart>
           </mc:Choice>
-          <mc:Fallback>
+          <mc:Fallback xmlns="">
             <p:pic>
               <p:nvPicPr>
                 <p:cNvPr id="268" name="筆跡 267">
@@ -12875,8 +12878,8 @@
             </p:pic>
           </mc:Fallback>
         </mc:AlternateContent>
-        <mc:AlternateContent xmlns:mc="http://schemas.openxmlformats.org/markup-compatibility/2006">
-          <mc:Choice xmlns:p14="http://schemas.microsoft.com/office/powerpoint/2010/main" Requires="p14">
+        <mc:AlternateContent xmlns:mc="http://schemas.openxmlformats.org/markup-compatibility/2006" xmlns:p14="http://schemas.microsoft.com/office/powerpoint/2010/main">
+          <mc:Choice Requires="p14">
             <p:contentPart p14:bwMode="auto" r:id="rId200">
               <p14:nvContentPartPr>
                 <p14:cNvPr id="269" name="筆跡 268">
@@ -12895,7 +12898,7 @@
               </p14:xfrm>
             </p:contentPart>
           </mc:Choice>
-          <mc:Fallback>
+          <mc:Fallback xmlns="">
             <p:pic>
               <p:nvPicPr>
                 <p:cNvPr id="269" name="筆跡 268">
@@ -12926,8 +12929,8 @@
             </p:pic>
           </mc:Fallback>
         </mc:AlternateContent>
-        <mc:AlternateContent xmlns:mc="http://schemas.openxmlformats.org/markup-compatibility/2006">
-          <mc:Choice xmlns:p14="http://schemas.microsoft.com/office/powerpoint/2010/main" Requires="p14">
+        <mc:AlternateContent xmlns:mc="http://schemas.openxmlformats.org/markup-compatibility/2006" xmlns:p14="http://schemas.microsoft.com/office/powerpoint/2010/main">
+          <mc:Choice Requires="p14">
             <p:contentPart p14:bwMode="auto" r:id="rId202">
               <p14:nvContentPartPr>
                 <p14:cNvPr id="270" name="筆跡 269">
@@ -12946,7 +12949,7 @@
               </p14:xfrm>
             </p:contentPart>
           </mc:Choice>
-          <mc:Fallback>
+          <mc:Fallback xmlns="">
             <p:pic>
               <p:nvPicPr>
                 <p:cNvPr id="270" name="筆跡 269">
@@ -12977,8 +12980,8 @@
             </p:pic>
           </mc:Fallback>
         </mc:AlternateContent>
-        <mc:AlternateContent xmlns:mc="http://schemas.openxmlformats.org/markup-compatibility/2006">
-          <mc:Choice xmlns:p14="http://schemas.microsoft.com/office/powerpoint/2010/main" Requires="p14">
+        <mc:AlternateContent xmlns:mc="http://schemas.openxmlformats.org/markup-compatibility/2006" xmlns:p14="http://schemas.microsoft.com/office/powerpoint/2010/main">
+          <mc:Choice Requires="p14">
             <p:contentPart p14:bwMode="auto" r:id="rId204">
               <p14:nvContentPartPr>
                 <p14:cNvPr id="272" name="筆跡 271">
@@ -12997,7 +13000,7 @@
               </p14:xfrm>
             </p:contentPart>
           </mc:Choice>
-          <mc:Fallback>
+          <mc:Fallback xmlns="">
             <p:pic>
               <p:nvPicPr>
                 <p:cNvPr id="272" name="筆跡 271">
@@ -13028,8 +13031,8 @@
             </p:pic>
           </mc:Fallback>
         </mc:AlternateContent>
-        <mc:AlternateContent xmlns:mc="http://schemas.openxmlformats.org/markup-compatibility/2006">
-          <mc:Choice xmlns:p14="http://schemas.microsoft.com/office/powerpoint/2010/main" Requires="p14">
+        <mc:AlternateContent xmlns:mc="http://schemas.openxmlformats.org/markup-compatibility/2006" xmlns:p14="http://schemas.microsoft.com/office/powerpoint/2010/main">
+          <mc:Choice Requires="p14">
             <p:contentPart p14:bwMode="auto" r:id="rId206">
               <p14:nvContentPartPr>
                 <p14:cNvPr id="273" name="筆跡 272">
@@ -13048,7 +13051,7 @@
               </p14:xfrm>
             </p:contentPart>
           </mc:Choice>
-          <mc:Fallback>
+          <mc:Fallback xmlns="">
             <p:pic>
               <p:nvPicPr>
                 <p:cNvPr id="273" name="筆跡 272">
@@ -13079,8 +13082,8 @@
             </p:pic>
           </mc:Fallback>
         </mc:AlternateContent>
-        <mc:AlternateContent xmlns:mc="http://schemas.openxmlformats.org/markup-compatibility/2006">
-          <mc:Choice xmlns:p14="http://schemas.microsoft.com/office/powerpoint/2010/main" Requires="p14">
+        <mc:AlternateContent xmlns:mc="http://schemas.openxmlformats.org/markup-compatibility/2006" xmlns:p14="http://schemas.microsoft.com/office/powerpoint/2010/main">
+          <mc:Choice Requires="p14">
             <p:contentPart p14:bwMode="auto" r:id="rId208">
               <p14:nvContentPartPr>
                 <p14:cNvPr id="274" name="筆跡 273">
@@ -13099,7 +13102,7 @@
               </p14:xfrm>
             </p:contentPart>
           </mc:Choice>
-          <mc:Fallback>
+          <mc:Fallback xmlns="">
             <p:pic>
               <p:nvPicPr>
                 <p:cNvPr id="274" name="筆跡 273">
@@ -13130,8 +13133,8 @@
             </p:pic>
           </mc:Fallback>
         </mc:AlternateContent>
-        <mc:AlternateContent xmlns:mc="http://schemas.openxmlformats.org/markup-compatibility/2006">
-          <mc:Choice xmlns:p14="http://schemas.microsoft.com/office/powerpoint/2010/main" Requires="p14">
+        <mc:AlternateContent xmlns:mc="http://schemas.openxmlformats.org/markup-compatibility/2006" xmlns:p14="http://schemas.microsoft.com/office/powerpoint/2010/main">
+          <mc:Choice Requires="p14">
             <p:contentPart p14:bwMode="auto" r:id="rId210">
               <p14:nvContentPartPr>
                 <p14:cNvPr id="275" name="筆跡 274">
@@ -13150,7 +13153,7 @@
               </p14:xfrm>
             </p:contentPart>
           </mc:Choice>
-          <mc:Fallback>
+          <mc:Fallback xmlns="">
             <p:pic>
               <p:nvPicPr>
                 <p:cNvPr id="275" name="筆跡 274">
@@ -13181,8 +13184,8 @@
             </p:pic>
           </mc:Fallback>
         </mc:AlternateContent>
-        <mc:AlternateContent xmlns:mc="http://schemas.openxmlformats.org/markup-compatibility/2006">
-          <mc:Choice xmlns:p14="http://schemas.microsoft.com/office/powerpoint/2010/main" Requires="p14">
+        <mc:AlternateContent xmlns:mc="http://schemas.openxmlformats.org/markup-compatibility/2006" xmlns:p14="http://schemas.microsoft.com/office/powerpoint/2010/main">
+          <mc:Choice Requires="p14">
             <p:contentPart p14:bwMode="auto" r:id="rId212">
               <p14:nvContentPartPr>
                 <p14:cNvPr id="276" name="筆跡 275">
@@ -13201,7 +13204,7 @@
               </p14:xfrm>
             </p:contentPart>
           </mc:Choice>
-          <mc:Fallback>
+          <mc:Fallback xmlns="">
             <p:pic>
               <p:nvPicPr>
                 <p:cNvPr id="276" name="筆跡 275">
@@ -13232,8 +13235,8 @@
             </p:pic>
           </mc:Fallback>
         </mc:AlternateContent>
-        <mc:AlternateContent xmlns:mc="http://schemas.openxmlformats.org/markup-compatibility/2006">
-          <mc:Choice xmlns:p14="http://schemas.microsoft.com/office/powerpoint/2010/main" Requires="p14">
+        <mc:AlternateContent xmlns:mc="http://schemas.openxmlformats.org/markup-compatibility/2006" xmlns:p14="http://schemas.microsoft.com/office/powerpoint/2010/main">
+          <mc:Choice Requires="p14">
             <p:contentPart p14:bwMode="auto" r:id="rId214">
               <p14:nvContentPartPr>
                 <p14:cNvPr id="277" name="筆跡 276">
@@ -13252,7 +13255,7 @@
               </p14:xfrm>
             </p:contentPart>
           </mc:Choice>
-          <mc:Fallback>
+          <mc:Fallback xmlns="">
             <p:pic>
               <p:nvPicPr>
                 <p:cNvPr id="277" name="筆跡 276">
@@ -13283,8 +13286,8 @@
             </p:pic>
           </mc:Fallback>
         </mc:AlternateContent>
-        <mc:AlternateContent xmlns:mc="http://schemas.openxmlformats.org/markup-compatibility/2006">
-          <mc:Choice xmlns:p14="http://schemas.microsoft.com/office/powerpoint/2010/main" Requires="p14">
+        <mc:AlternateContent xmlns:mc="http://schemas.openxmlformats.org/markup-compatibility/2006" xmlns:p14="http://schemas.microsoft.com/office/powerpoint/2010/main">
+          <mc:Choice Requires="p14">
             <p:contentPart p14:bwMode="auto" r:id="rId216">
               <p14:nvContentPartPr>
                 <p14:cNvPr id="278" name="筆跡 277">
@@ -13303,7 +13306,7 @@
               </p14:xfrm>
             </p:contentPart>
           </mc:Choice>
-          <mc:Fallback>
+          <mc:Fallback xmlns="">
             <p:pic>
               <p:nvPicPr>
                 <p:cNvPr id="278" name="筆跡 277">
@@ -13334,8 +13337,8 @@
             </p:pic>
           </mc:Fallback>
         </mc:AlternateContent>
-        <mc:AlternateContent xmlns:mc="http://schemas.openxmlformats.org/markup-compatibility/2006">
-          <mc:Choice xmlns:p14="http://schemas.microsoft.com/office/powerpoint/2010/main" Requires="p14">
+        <mc:AlternateContent xmlns:mc="http://schemas.openxmlformats.org/markup-compatibility/2006" xmlns:p14="http://schemas.microsoft.com/office/powerpoint/2010/main">
+          <mc:Choice Requires="p14">
             <p:contentPart p14:bwMode="auto" r:id="rId218">
               <p14:nvContentPartPr>
                 <p14:cNvPr id="279" name="筆跡 278">
@@ -13354,7 +13357,7 @@
               </p14:xfrm>
             </p:contentPart>
           </mc:Choice>
-          <mc:Fallback>
+          <mc:Fallback xmlns="">
             <p:pic>
               <p:nvPicPr>
                 <p:cNvPr id="279" name="筆跡 278">
@@ -13385,8 +13388,8 @@
             </p:pic>
           </mc:Fallback>
         </mc:AlternateContent>
-        <mc:AlternateContent xmlns:mc="http://schemas.openxmlformats.org/markup-compatibility/2006">
-          <mc:Choice xmlns:p14="http://schemas.microsoft.com/office/powerpoint/2010/main" Requires="p14">
+        <mc:AlternateContent xmlns:mc="http://schemas.openxmlformats.org/markup-compatibility/2006" xmlns:p14="http://schemas.microsoft.com/office/powerpoint/2010/main">
+          <mc:Choice Requires="p14">
             <p:contentPart p14:bwMode="auto" r:id="rId220">
               <p14:nvContentPartPr>
                 <p14:cNvPr id="280" name="筆跡 279">
@@ -13405,7 +13408,7 @@
               </p14:xfrm>
             </p:contentPart>
           </mc:Choice>
-          <mc:Fallback>
+          <mc:Fallback xmlns="">
             <p:pic>
               <p:nvPicPr>
                 <p:cNvPr id="280" name="筆跡 279">
@@ -13436,8 +13439,8 @@
             </p:pic>
           </mc:Fallback>
         </mc:AlternateContent>
-        <mc:AlternateContent xmlns:mc="http://schemas.openxmlformats.org/markup-compatibility/2006">
-          <mc:Choice xmlns:p14="http://schemas.microsoft.com/office/powerpoint/2010/main" Requires="p14">
+        <mc:AlternateContent xmlns:mc="http://schemas.openxmlformats.org/markup-compatibility/2006" xmlns:p14="http://schemas.microsoft.com/office/powerpoint/2010/main">
+          <mc:Choice Requires="p14">
             <p:contentPart p14:bwMode="auto" r:id="rId222">
               <p14:nvContentPartPr>
                 <p14:cNvPr id="281" name="筆跡 280">
@@ -13456,7 +13459,7 @@
               </p14:xfrm>
             </p:contentPart>
           </mc:Choice>
-          <mc:Fallback>
+          <mc:Fallback xmlns="">
             <p:pic>
               <p:nvPicPr>
                 <p:cNvPr id="281" name="筆跡 280">
@@ -13487,8 +13490,8 @@
             </p:pic>
           </mc:Fallback>
         </mc:AlternateContent>
-        <mc:AlternateContent xmlns:mc="http://schemas.openxmlformats.org/markup-compatibility/2006">
-          <mc:Choice xmlns:p14="http://schemas.microsoft.com/office/powerpoint/2010/main" Requires="p14">
+        <mc:AlternateContent xmlns:mc="http://schemas.openxmlformats.org/markup-compatibility/2006" xmlns:p14="http://schemas.microsoft.com/office/powerpoint/2010/main">
+          <mc:Choice Requires="p14">
             <p:contentPart p14:bwMode="auto" r:id="rId224">
               <p14:nvContentPartPr>
                 <p14:cNvPr id="283" name="筆跡 282">
@@ -13507,7 +13510,7 @@
               </p14:xfrm>
             </p:contentPart>
           </mc:Choice>
-          <mc:Fallback>
+          <mc:Fallback xmlns="">
             <p:pic>
               <p:nvPicPr>
                 <p:cNvPr id="283" name="筆跡 282">
@@ -13538,8 +13541,8 @@
             </p:pic>
           </mc:Fallback>
         </mc:AlternateContent>
-        <mc:AlternateContent xmlns:mc="http://schemas.openxmlformats.org/markup-compatibility/2006">
-          <mc:Choice xmlns:p14="http://schemas.microsoft.com/office/powerpoint/2010/main" Requires="p14">
+        <mc:AlternateContent xmlns:mc="http://schemas.openxmlformats.org/markup-compatibility/2006" xmlns:p14="http://schemas.microsoft.com/office/powerpoint/2010/main">
+          <mc:Choice Requires="p14">
             <p:contentPart p14:bwMode="auto" r:id="rId226">
               <p14:nvContentPartPr>
                 <p14:cNvPr id="284" name="筆跡 283">
@@ -13558,7 +13561,7 @@
               </p14:xfrm>
             </p:contentPart>
           </mc:Choice>
-          <mc:Fallback>
+          <mc:Fallback xmlns="">
             <p:pic>
               <p:nvPicPr>
                 <p:cNvPr id="284" name="筆跡 283">
@@ -13589,8 +13592,8 @@
             </p:pic>
           </mc:Fallback>
         </mc:AlternateContent>
-        <mc:AlternateContent xmlns:mc="http://schemas.openxmlformats.org/markup-compatibility/2006">
-          <mc:Choice xmlns:p14="http://schemas.microsoft.com/office/powerpoint/2010/main" Requires="p14">
+        <mc:AlternateContent xmlns:mc="http://schemas.openxmlformats.org/markup-compatibility/2006" xmlns:p14="http://schemas.microsoft.com/office/powerpoint/2010/main">
+          <mc:Choice Requires="p14">
             <p:contentPart p14:bwMode="auto" r:id="rId228">
               <p14:nvContentPartPr>
                 <p14:cNvPr id="285" name="筆跡 284">
@@ -13609,7 +13612,7 @@
               </p14:xfrm>
             </p:contentPart>
           </mc:Choice>
-          <mc:Fallback>
+          <mc:Fallback xmlns="">
             <p:pic>
               <p:nvPicPr>
                 <p:cNvPr id="285" name="筆跡 284">
@@ -13640,8 +13643,8 @@
             </p:pic>
           </mc:Fallback>
         </mc:AlternateContent>
-        <mc:AlternateContent xmlns:mc="http://schemas.openxmlformats.org/markup-compatibility/2006">
-          <mc:Choice xmlns:p14="http://schemas.microsoft.com/office/powerpoint/2010/main" Requires="p14">
+        <mc:AlternateContent xmlns:mc="http://schemas.openxmlformats.org/markup-compatibility/2006" xmlns:p14="http://schemas.microsoft.com/office/powerpoint/2010/main">
+          <mc:Choice Requires="p14">
             <p:contentPart p14:bwMode="auto" r:id="rId230">
               <p14:nvContentPartPr>
                 <p14:cNvPr id="286" name="筆跡 285">
@@ -13660,7 +13663,7 @@
               </p14:xfrm>
             </p:contentPart>
           </mc:Choice>
-          <mc:Fallback>
+          <mc:Fallback xmlns="">
             <p:pic>
               <p:nvPicPr>
                 <p:cNvPr id="286" name="筆跡 285">
@@ -13691,8 +13694,8 @@
             </p:pic>
           </mc:Fallback>
         </mc:AlternateContent>
-        <mc:AlternateContent xmlns:mc="http://schemas.openxmlformats.org/markup-compatibility/2006">
-          <mc:Choice xmlns:p14="http://schemas.microsoft.com/office/powerpoint/2010/main" Requires="p14">
+        <mc:AlternateContent xmlns:mc="http://schemas.openxmlformats.org/markup-compatibility/2006" xmlns:p14="http://schemas.microsoft.com/office/powerpoint/2010/main">
+          <mc:Choice Requires="p14">
             <p:contentPart p14:bwMode="auto" r:id="rId232">
               <p14:nvContentPartPr>
                 <p14:cNvPr id="287" name="筆跡 286">
@@ -13711,7 +13714,7 @@
               </p14:xfrm>
             </p:contentPart>
           </mc:Choice>
-          <mc:Fallback>
+          <mc:Fallback xmlns="">
             <p:pic>
               <p:nvPicPr>
                 <p:cNvPr id="287" name="筆跡 286">
@@ -13742,8 +13745,8 @@
             </p:pic>
           </mc:Fallback>
         </mc:AlternateContent>
-        <mc:AlternateContent xmlns:mc="http://schemas.openxmlformats.org/markup-compatibility/2006">
-          <mc:Choice xmlns:p14="http://schemas.microsoft.com/office/powerpoint/2010/main" Requires="p14">
+        <mc:AlternateContent xmlns:mc="http://schemas.openxmlformats.org/markup-compatibility/2006" xmlns:p14="http://schemas.microsoft.com/office/powerpoint/2010/main">
+          <mc:Choice Requires="p14">
             <p:contentPart p14:bwMode="auto" r:id="rId234">
               <p14:nvContentPartPr>
                 <p14:cNvPr id="288" name="筆跡 287">
@@ -13762,7 +13765,7 @@
               </p14:xfrm>
             </p:contentPart>
           </mc:Choice>
-          <mc:Fallback>
+          <mc:Fallback xmlns="">
             <p:pic>
               <p:nvPicPr>
                 <p:cNvPr id="288" name="筆跡 287">
@@ -13793,8 +13796,8 @@
             </p:pic>
           </mc:Fallback>
         </mc:AlternateContent>
-        <mc:AlternateContent xmlns:mc="http://schemas.openxmlformats.org/markup-compatibility/2006">
-          <mc:Choice xmlns:p14="http://schemas.microsoft.com/office/powerpoint/2010/main" Requires="p14">
+        <mc:AlternateContent xmlns:mc="http://schemas.openxmlformats.org/markup-compatibility/2006" xmlns:p14="http://schemas.microsoft.com/office/powerpoint/2010/main">
+          <mc:Choice Requires="p14">
             <p:contentPart p14:bwMode="auto" r:id="rId236">
               <p14:nvContentPartPr>
                 <p14:cNvPr id="289" name="筆跡 288">
@@ -13813,7 +13816,7 @@
               </p14:xfrm>
             </p:contentPart>
           </mc:Choice>
-          <mc:Fallback>
+          <mc:Fallback xmlns="">
             <p:pic>
               <p:nvPicPr>
                 <p:cNvPr id="289" name="筆跡 288">
@@ -13844,8 +13847,8 @@
             </p:pic>
           </mc:Fallback>
         </mc:AlternateContent>
-        <mc:AlternateContent xmlns:mc="http://schemas.openxmlformats.org/markup-compatibility/2006">
-          <mc:Choice xmlns:p14="http://schemas.microsoft.com/office/powerpoint/2010/main" Requires="p14">
+        <mc:AlternateContent xmlns:mc="http://schemas.openxmlformats.org/markup-compatibility/2006" xmlns:p14="http://schemas.microsoft.com/office/powerpoint/2010/main">
+          <mc:Choice Requires="p14">
             <p:contentPart p14:bwMode="auto" r:id="rId238">
               <p14:nvContentPartPr>
                 <p14:cNvPr id="290" name="筆跡 289">
@@ -13864,7 +13867,7 @@
               </p14:xfrm>
             </p:contentPart>
           </mc:Choice>
-          <mc:Fallback>
+          <mc:Fallback xmlns="">
             <p:pic>
               <p:nvPicPr>
                 <p:cNvPr id="290" name="筆跡 289">
@@ -13895,8 +13898,8 @@
             </p:pic>
           </mc:Fallback>
         </mc:AlternateContent>
-        <mc:AlternateContent xmlns:mc="http://schemas.openxmlformats.org/markup-compatibility/2006">
-          <mc:Choice xmlns:p14="http://schemas.microsoft.com/office/powerpoint/2010/main" Requires="p14">
+        <mc:AlternateContent xmlns:mc="http://schemas.openxmlformats.org/markup-compatibility/2006" xmlns:p14="http://schemas.microsoft.com/office/powerpoint/2010/main">
+          <mc:Choice Requires="p14">
             <p:contentPart p14:bwMode="auto" r:id="rId240">
               <p14:nvContentPartPr>
                 <p14:cNvPr id="291" name="筆跡 290">
@@ -13915,7 +13918,7 @@
               </p14:xfrm>
             </p:contentPart>
           </mc:Choice>
-          <mc:Fallback>
+          <mc:Fallback xmlns="">
             <p:pic>
               <p:nvPicPr>
                 <p:cNvPr id="291" name="筆跡 290">
@@ -13946,8 +13949,8 @@
             </p:pic>
           </mc:Fallback>
         </mc:AlternateContent>
-        <mc:AlternateContent xmlns:mc="http://schemas.openxmlformats.org/markup-compatibility/2006">
-          <mc:Choice xmlns:p14="http://schemas.microsoft.com/office/powerpoint/2010/main" Requires="p14">
+        <mc:AlternateContent xmlns:mc="http://schemas.openxmlformats.org/markup-compatibility/2006" xmlns:p14="http://schemas.microsoft.com/office/powerpoint/2010/main">
+          <mc:Choice Requires="p14">
             <p:contentPart p14:bwMode="auto" r:id="rId242">
               <p14:nvContentPartPr>
                 <p14:cNvPr id="292" name="筆跡 291">
@@ -13966,7 +13969,7 @@
               </p14:xfrm>
             </p:contentPart>
           </mc:Choice>
-          <mc:Fallback>
+          <mc:Fallback xmlns="">
             <p:pic>
               <p:nvPicPr>
                 <p:cNvPr id="292" name="筆跡 291">
@@ -13997,8 +14000,8 @@
             </p:pic>
           </mc:Fallback>
         </mc:AlternateContent>
-        <mc:AlternateContent xmlns:mc="http://schemas.openxmlformats.org/markup-compatibility/2006">
-          <mc:Choice xmlns:p14="http://schemas.microsoft.com/office/powerpoint/2010/main" Requires="p14">
+        <mc:AlternateContent xmlns:mc="http://schemas.openxmlformats.org/markup-compatibility/2006" xmlns:p14="http://schemas.microsoft.com/office/powerpoint/2010/main">
+          <mc:Choice Requires="p14">
             <p:contentPart p14:bwMode="auto" r:id="rId244">
               <p14:nvContentPartPr>
                 <p14:cNvPr id="293" name="筆跡 292">
@@ -14017,7 +14020,7 @@
               </p14:xfrm>
             </p:contentPart>
           </mc:Choice>
-          <mc:Fallback>
+          <mc:Fallback xmlns="">
             <p:pic>
               <p:nvPicPr>
                 <p:cNvPr id="293" name="筆跡 292">
@@ -14048,8 +14051,8 @@
             </p:pic>
           </mc:Fallback>
         </mc:AlternateContent>
-        <mc:AlternateContent xmlns:mc="http://schemas.openxmlformats.org/markup-compatibility/2006">
-          <mc:Choice xmlns:p14="http://schemas.microsoft.com/office/powerpoint/2010/main" Requires="p14">
+        <mc:AlternateContent xmlns:mc="http://schemas.openxmlformats.org/markup-compatibility/2006" xmlns:p14="http://schemas.microsoft.com/office/powerpoint/2010/main">
+          <mc:Choice Requires="p14">
             <p:contentPart p14:bwMode="auto" r:id="rId246">
               <p14:nvContentPartPr>
                 <p14:cNvPr id="294" name="筆跡 293">
@@ -14068,7 +14071,7 @@
               </p14:xfrm>
             </p:contentPart>
           </mc:Choice>
-          <mc:Fallback>
+          <mc:Fallback xmlns="">
             <p:pic>
               <p:nvPicPr>
                 <p:cNvPr id="294" name="筆跡 293">
@@ -14099,8 +14102,8 @@
             </p:pic>
           </mc:Fallback>
         </mc:AlternateContent>
-        <mc:AlternateContent xmlns:mc="http://schemas.openxmlformats.org/markup-compatibility/2006">
-          <mc:Choice xmlns:p14="http://schemas.microsoft.com/office/powerpoint/2010/main" Requires="p14">
+        <mc:AlternateContent xmlns:mc="http://schemas.openxmlformats.org/markup-compatibility/2006" xmlns:p14="http://schemas.microsoft.com/office/powerpoint/2010/main">
+          <mc:Choice Requires="p14">
             <p:contentPart p14:bwMode="auto" r:id="rId248">
               <p14:nvContentPartPr>
                 <p14:cNvPr id="295" name="筆跡 294">
@@ -14119,7 +14122,7 @@
               </p14:xfrm>
             </p:contentPart>
           </mc:Choice>
-          <mc:Fallback>
+          <mc:Fallback xmlns="">
             <p:pic>
               <p:nvPicPr>
                 <p:cNvPr id="295" name="筆跡 294">
@@ -14150,8 +14153,8 @@
             </p:pic>
           </mc:Fallback>
         </mc:AlternateContent>
-        <mc:AlternateContent xmlns:mc="http://schemas.openxmlformats.org/markup-compatibility/2006">
-          <mc:Choice xmlns:p14="http://schemas.microsoft.com/office/powerpoint/2010/main" Requires="p14">
+        <mc:AlternateContent xmlns:mc="http://schemas.openxmlformats.org/markup-compatibility/2006" xmlns:p14="http://schemas.microsoft.com/office/powerpoint/2010/main">
+          <mc:Choice Requires="p14">
             <p:contentPart p14:bwMode="auto" r:id="rId250">
               <p14:nvContentPartPr>
                 <p14:cNvPr id="296" name="筆跡 295">
@@ -14170,7 +14173,7 @@
               </p14:xfrm>
             </p:contentPart>
           </mc:Choice>
-          <mc:Fallback>
+          <mc:Fallback xmlns="">
             <p:pic>
               <p:nvPicPr>
                 <p:cNvPr id="296" name="筆跡 295">
@@ -14201,8 +14204,8 @@
             </p:pic>
           </mc:Fallback>
         </mc:AlternateContent>
-        <mc:AlternateContent xmlns:mc="http://schemas.openxmlformats.org/markup-compatibility/2006">
-          <mc:Choice xmlns:p14="http://schemas.microsoft.com/office/powerpoint/2010/main" Requires="p14">
+        <mc:AlternateContent xmlns:mc="http://schemas.openxmlformats.org/markup-compatibility/2006" xmlns:p14="http://schemas.microsoft.com/office/powerpoint/2010/main">
+          <mc:Choice Requires="p14">
             <p:contentPart p14:bwMode="auto" r:id="rId252">
               <p14:nvContentPartPr>
                 <p14:cNvPr id="297" name="筆跡 296">
@@ -14221,7 +14224,7 @@
               </p14:xfrm>
             </p:contentPart>
           </mc:Choice>
-          <mc:Fallback>
+          <mc:Fallback xmlns="">
             <p:pic>
               <p:nvPicPr>
                 <p:cNvPr id="297" name="筆跡 296">
@@ -14252,8 +14255,8 @@
             </p:pic>
           </mc:Fallback>
         </mc:AlternateContent>
-        <mc:AlternateContent xmlns:mc="http://schemas.openxmlformats.org/markup-compatibility/2006">
-          <mc:Choice xmlns:p14="http://schemas.microsoft.com/office/powerpoint/2010/main" Requires="p14">
+        <mc:AlternateContent xmlns:mc="http://schemas.openxmlformats.org/markup-compatibility/2006" xmlns:p14="http://schemas.microsoft.com/office/powerpoint/2010/main">
+          <mc:Choice Requires="p14">
             <p:contentPart p14:bwMode="auto" r:id="rId254">
               <p14:nvContentPartPr>
                 <p14:cNvPr id="298" name="筆跡 297">
@@ -14272,7 +14275,7 @@
               </p14:xfrm>
             </p:contentPart>
           </mc:Choice>
-          <mc:Fallback>
+          <mc:Fallback xmlns="">
             <p:pic>
               <p:nvPicPr>
                 <p:cNvPr id="298" name="筆跡 297">
@@ -14303,8 +14306,8 @@
             </p:pic>
           </mc:Fallback>
         </mc:AlternateContent>
-        <mc:AlternateContent xmlns:mc="http://schemas.openxmlformats.org/markup-compatibility/2006">
-          <mc:Choice xmlns:p14="http://schemas.microsoft.com/office/powerpoint/2010/main" Requires="p14">
+        <mc:AlternateContent xmlns:mc="http://schemas.openxmlformats.org/markup-compatibility/2006" xmlns:p14="http://schemas.microsoft.com/office/powerpoint/2010/main">
+          <mc:Choice Requires="p14">
             <p:contentPart p14:bwMode="auto" r:id="rId256">
               <p14:nvContentPartPr>
                 <p14:cNvPr id="309" name="筆跡 308">
@@ -14323,7 +14326,7 @@
               </p14:xfrm>
             </p:contentPart>
           </mc:Choice>
-          <mc:Fallback>
+          <mc:Fallback xmlns="">
             <p:pic>
               <p:nvPicPr>
                 <p:cNvPr id="309" name="筆跡 308">
@@ -14354,8 +14357,8 @@
             </p:pic>
           </mc:Fallback>
         </mc:AlternateContent>
-        <mc:AlternateContent xmlns:mc="http://schemas.openxmlformats.org/markup-compatibility/2006">
-          <mc:Choice xmlns:p14="http://schemas.microsoft.com/office/powerpoint/2010/main" Requires="p14">
+        <mc:AlternateContent xmlns:mc="http://schemas.openxmlformats.org/markup-compatibility/2006" xmlns:p14="http://schemas.microsoft.com/office/powerpoint/2010/main">
+          <mc:Choice Requires="p14">
             <p:contentPart p14:bwMode="auto" r:id="rId258">
               <p14:nvContentPartPr>
                 <p14:cNvPr id="310" name="筆跡 309">
@@ -14374,7 +14377,7 @@
               </p14:xfrm>
             </p:contentPart>
           </mc:Choice>
-          <mc:Fallback>
+          <mc:Fallback xmlns="">
             <p:pic>
               <p:nvPicPr>
                 <p:cNvPr id="310" name="筆跡 309">
@@ -14405,8 +14408,8 @@
             </p:pic>
           </mc:Fallback>
         </mc:AlternateContent>
-        <mc:AlternateContent xmlns:mc="http://schemas.openxmlformats.org/markup-compatibility/2006">
-          <mc:Choice xmlns:p14="http://schemas.microsoft.com/office/powerpoint/2010/main" Requires="p14">
+        <mc:AlternateContent xmlns:mc="http://schemas.openxmlformats.org/markup-compatibility/2006" xmlns:p14="http://schemas.microsoft.com/office/powerpoint/2010/main">
+          <mc:Choice Requires="p14">
             <p:contentPart p14:bwMode="auto" r:id="rId260">
               <p14:nvContentPartPr>
                 <p14:cNvPr id="311" name="筆跡 310">
@@ -14425,7 +14428,7 @@
               </p14:xfrm>
             </p:contentPart>
           </mc:Choice>
-          <mc:Fallback>
+          <mc:Fallback xmlns="">
             <p:pic>
               <p:nvPicPr>
                 <p:cNvPr id="311" name="筆跡 310">
@@ -14456,8 +14459,8 @@
             </p:pic>
           </mc:Fallback>
         </mc:AlternateContent>
-        <mc:AlternateContent xmlns:mc="http://schemas.openxmlformats.org/markup-compatibility/2006">
-          <mc:Choice xmlns:p14="http://schemas.microsoft.com/office/powerpoint/2010/main" Requires="p14">
+        <mc:AlternateContent xmlns:mc="http://schemas.openxmlformats.org/markup-compatibility/2006" xmlns:p14="http://schemas.microsoft.com/office/powerpoint/2010/main">
+          <mc:Choice Requires="p14">
             <p:contentPart p14:bwMode="auto" r:id="rId262">
               <p14:nvContentPartPr>
                 <p14:cNvPr id="312" name="筆跡 311">
@@ -14476,7 +14479,7 @@
               </p14:xfrm>
             </p:contentPart>
           </mc:Choice>
-          <mc:Fallback>
+          <mc:Fallback xmlns="">
             <p:pic>
               <p:nvPicPr>
                 <p:cNvPr id="312" name="筆跡 311">
@@ -14507,8 +14510,8 @@
             </p:pic>
           </mc:Fallback>
         </mc:AlternateContent>
-        <mc:AlternateContent xmlns:mc="http://schemas.openxmlformats.org/markup-compatibility/2006">
-          <mc:Choice xmlns:p14="http://schemas.microsoft.com/office/powerpoint/2010/main" Requires="p14">
+        <mc:AlternateContent xmlns:mc="http://schemas.openxmlformats.org/markup-compatibility/2006" xmlns:p14="http://schemas.microsoft.com/office/powerpoint/2010/main">
+          <mc:Choice Requires="p14">
             <p:contentPart p14:bwMode="auto" r:id="rId264">
               <p14:nvContentPartPr>
                 <p14:cNvPr id="313" name="筆跡 312">
@@ -14527,7 +14530,7 @@
               </p14:xfrm>
             </p:contentPart>
           </mc:Choice>
-          <mc:Fallback>
+          <mc:Fallback xmlns="">
             <p:pic>
               <p:nvPicPr>
                 <p:cNvPr id="313" name="筆跡 312">
@@ -14558,8 +14561,8 @@
             </p:pic>
           </mc:Fallback>
         </mc:AlternateContent>
-        <mc:AlternateContent xmlns:mc="http://schemas.openxmlformats.org/markup-compatibility/2006">
-          <mc:Choice xmlns:p14="http://schemas.microsoft.com/office/powerpoint/2010/main" Requires="p14">
+        <mc:AlternateContent xmlns:mc="http://schemas.openxmlformats.org/markup-compatibility/2006" xmlns:p14="http://schemas.microsoft.com/office/powerpoint/2010/main">
+          <mc:Choice Requires="p14">
             <p:contentPart p14:bwMode="auto" r:id="rId266">
               <p14:nvContentPartPr>
                 <p14:cNvPr id="314" name="筆跡 313">
@@ -14578,7 +14581,7 @@
               </p14:xfrm>
             </p:contentPart>
           </mc:Choice>
-          <mc:Fallback>
+          <mc:Fallback xmlns="">
             <p:pic>
               <p:nvPicPr>
                 <p:cNvPr id="314" name="筆跡 313">
@@ -14609,8 +14612,8 @@
             </p:pic>
           </mc:Fallback>
         </mc:AlternateContent>
-        <mc:AlternateContent xmlns:mc="http://schemas.openxmlformats.org/markup-compatibility/2006">
-          <mc:Choice xmlns:p14="http://schemas.microsoft.com/office/powerpoint/2010/main" Requires="p14">
+        <mc:AlternateContent xmlns:mc="http://schemas.openxmlformats.org/markup-compatibility/2006" xmlns:p14="http://schemas.microsoft.com/office/powerpoint/2010/main">
+          <mc:Choice Requires="p14">
             <p:contentPart p14:bwMode="auto" r:id="rId268">
               <p14:nvContentPartPr>
                 <p14:cNvPr id="320" name="筆跡 319">
@@ -14629,7 +14632,7 @@
               </p14:xfrm>
             </p:contentPart>
           </mc:Choice>
-          <mc:Fallback>
+          <mc:Fallback xmlns="">
             <p:pic>
               <p:nvPicPr>
                 <p:cNvPr id="320" name="筆跡 319">
@@ -14660,8 +14663,8 @@
             </p:pic>
           </mc:Fallback>
         </mc:AlternateContent>
-        <mc:AlternateContent xmlns:mc="http://schemas.openxmlformats.org/markup-compatibility/2006">
-          <mc:Choice xmlns:p14="http://schemas.microsoft.com/office/powerpoint/2010/main" Requires="p14">
+        <mc:AlternateContent xmlns:mc="http://schemas.openxmlformats.org/markup-compatibility/2006" xmlns:p14="http://schemas.microsoft.com/office/powerpoint/2010/main">
+          <mc:Choice Requires="p14">
             <p:contentPart p14:bwMode="auto" r:id="rId270">
               <p14:nvContentPartPr>
                 <p14:cNvPr id="321" name="筆跡 320">
@@ -14680,7 +14683,7 @@
               </p14:xfrm>
             </p:contentPart>
           </mc:Choice>
-          <mc:Fallback>
+          <mc:Fallback xmlns="">
             <p:pic>
               <p:nvPicPr>
                 <p:cNvPr id="321" name="筆跡 320">
@@ -14711,8 +14714,8 @@
             </p:pic>
           </mc:Fallback>
         </mc:AlternateContent>
-        <mc:AlternateContent xmlns:mc="http://schemas.openxmlformats.org/markup-compatibility/2006">
-          <mc:Choice xmlns:p14="http://schemas.microsoft.com/office/powerpoint/2010/main" Requires="p14">
+        <mc:AlternateContent xmlns:mc="http://schemas.openxmlformats.org/markup-compatibility/2006" xmlns:p14="http://schemas.microsoft.com/office/powerpoint/2010/main">
+          <mc:Choice Requires="p14">
             <p:contentPart p14:bwMode="auto" r:id="rId272">
               <p14:nvContentPartPr>
                 <p14:cNvPr id="322" name="筆跡 321">
@@ -14731,7 +14734,7 @@
               </p14:xfrm>
             </p:contentPart>
           </mc:Choice>
-          <mc:Fallback>
+          <mc:Fallback xmlns="">
             <p:pic>
               <p:nvPicPr>
                 <p:cNvPr id="322" name="筆跡 321">
@@ -14762,8 +14765,8 @@
             </p:pic>
           </mc:Fallback>
         </mc:AlternateContent>
-        <mc:AlternateContent xmlns:mc="http://schemas.openxmlformats.org/markup-compatibility/2006">
-          <mc:Choice xmlns:p14="http://schemas.microsoft.com/office/powerpoint/2010/main" Requires="p14">
+        <mc:AlternateContent xmlns:mc="http://schemas.openxmlformats.org/markup-compatibility/2006" xmlns:p14="http://schemas.microsoft.com/office/powerpoint/2010/main">
+          <mc:Choice Requires="p14">
             <p:contentPart p14:bwMode="auto" r:id="rId274">
               <p14:nvContentPartPr>
                 <p14:cNvPr id="324" name="筆跡 323">
@@ -14782,7 +14785,7 @@
               </p14:xfrm>
             </p:contentPart>
           </mc:Choice>
-          <mc:Fallback>
+          <mc:Fallback xmlns="">
             <p:pic>
               <p:nvPicPr>
                 <p:cNvPr id="324" name="筆跡 323">
@@ -14813,8 +14816,8 @@
             </p:pic>
           </mc:Fallback>
         </mc:AlternateContent>
-        <mc:AlternateContent xmlns:mc="http://schemas.openxmlformats.org/markup-compatibility/2006">
-          <mc:Choice xmlns:p14="http://schemas.microsoft.com/office/powerpoint/2010/main" Requires="p14">
+        <mc:AlternateContent xmlns:mc="http://schemas.openxmlformats.org/markup-compatibility/2006" xmlns:p14="http://schemas.microsoft.com/office/powerpoint/2010/main">
+          <mc:Choice Requires="p14">
             <p:contentPart p14:bwMode="auto" r:id="rId276">
               <p14:nvContentPartPr>
                 <p14:cNvPr id="325" name="筆跡 324">
@@ -14833,7 +14836,7 @@
               </p14:xfrm>
             </p:contentPart>
           </mc:Choice>
-          <mc:Fallback>
+          <mc:Fallback xmlns="">
             <p:pic>
               <p:nvPicPr>
                 <p:cNvPr id="325" name="筆跡 324">
@@ -14864,8 +14867,8 @@
             </p:pic>
           </mc:Fallback>
         </mc:AlternateContent>
-        <mc:AlternateContent xmlns:mc="http://schemas.openxmlformats.org/markup-compatibility/2006">
-          <mc:Choice xmlns:p14="http://schemas.microsoft.com/office/powerpoint/2010/main" Requires="p14">
+        <mc:AlternateContent xmlns:mc="http://schemas.openxmlformats.org/markup-compatibility/2006" xmlns:p14="http://schemas.microsoft.com/office/powerpoint/2010/main">
+          <mc:Choice Requires="p14">
             <p:contentPart p14:bwMode="auto" r:id="rId278">
               <p14:nvContentPartPr>
                 <p14:cNvPr id="326" name="筆跡 325">
@@ -14884,7 +14887,7 @@
               </p14:xfrm>
             </p:contentPart>
           </mc:Choice>
-          <mc:Fallback>
+          <mc:Fallback xmlns="">
             <p:pic>
               <p:nvPicPr>
                 <p:cNvPr id="326" name="筆跡 325">
@@ -14915,8 +14918,8 @@
             </p:pic>
           </mc:Fallback>
         </mc:AlternateContent>
-        <mc:AlternateContent xmlns:mc="http://schemas.openxmlformats.org/markup-compatibility/2006">
-          <mc:Choice xmlns:p14="http://schemas.microsoft.com/office/powerpoint/2010/main" Requires="p14">
+        <mc:AlternateContent xmlns:mc="http://schemas.openxmlformats.org/markup-compatibility/2006" xmlns:p14="http://schemas.microsoft.com/office/powerpoint/2010/main">
+          <mc:Choice Requires="p14">
             <p:contentPart p14:bwMode="auto" r:id="rId280">
               <p14:nvContentPartPr>
                 <p14:cNvPr id="327" name="筆跡 326">
@@ -14935,7 +14938,7 @@
               </p14:xfrm>
             </p:contentPart>
           </mc:Choice>
-          <mc:Fallback>
+          <mc:Fallback xmlns="">
             <p:pic>
               <p:nvPicPr>
                 <p:cNvPr id="327" name="筆跡 326">
@@ -14966,8 +14969,8 @@
             </p:pic>
           </mc:Fallback>
         </mc:AlternateContent>
-        <mc:AlternateContent xmlns:mc="http://schemas.openxmlformats.org/markup-compatibility/2006">
-          <mc:Choice xmlns:p14="http://schemas.microsoft.com/office/powerpoint/2010/main" Requires="p14">
+        <mc:AlternateContent xmlns:mc="http://schemas.openxmlformats.org/markup-compatibility/2006" xmlns:p14="http://schemas.microsoft.com/office/powerpoint/2010/main">
+          <mc:Choice Requires="p14">
             <p:contentPart p14:bwMode="auto" r:id="rId282">
               <p14:nvContentPartPr>
                 <p14:cNvPr id="328" name="筆跡 327">
@@ -14986,7 +14989,7 @@
               </p14:xfrm>
             </p:contentPart>
           </mc:Choice>
-          <mc:Fallback>
+          <mc:Fallback xmlns="">
             <p:pic>
               <p:nvPicPr>
                 <p:cNvPr id="328" name="筆跡 327">
@@ -15017,8 +15020,8 @@
             </p:pic>
           </mc:Fallback>
         </mc:AlternateContent>
-        <mc:AlternateContent xmlns:mc="http://schemas.openxmlformats.org/markup-compatibility/2006">
-          <mc:Choice xmlns:p14="http://schemas.microsoft.com/office/powerpoint/2010/main" Requires="p14">
+        <mc:AlternateContent xmlns:mc="http://schemas.openxmlformats.org/markup-compatibility/2006" xmlns:p14="http://schemas.microsoft.com/office/powerpoint/2010/main">
+          <mc:Choice Requires="p14">
             <p:contentPart p14:bwMode="auto" r:id="rId284">
               <p14:nvContentPartPr>
                 <p14:cNvPr id="329" name="筆跡 328">
@@ -15037,7 +15040,7 @@
               </p14:xfrm>
             </p:contentPart>
           </mc:Choice>
-          <mc:Fallback>
+          <mc:Fallback xmlns="">
             <p:pic>
               <p:nvPicPr>
                 <p:cNvPr id="329" name="筆跡 328">
@@ -15068,8 +15071,8 @@
             </p:pic>
           </mc:Fallback>
         </mc:AlternateContent>
-        <mc:AlternateContent xmlns:mc="http://schemas.openxmlformats.org/markup-compatibility/2006">
-          <mc:Choice xmlns:p14="http://schemas.microsoft.com/office/powerpoint/2010/main" Requires="p14">
+        <mc:AlternateContent xmlns:mc="http://schemas.openxmlformats.org/markup-compatibility/2006" xmlns:p14="http://schemas.microsoft.com/office/powerpoint/2010/main">
+          <mc:Choice Requires="p14">
             <p:contentPart p14:bwMode="auto" r:id="rId286">
               <p14:nvContentPartPr>
                 <p14:cNvPr id="330" name="筆跡 329">
@@ -15088,7 +15091,7 @@
               </p14:xfrm>
             </p:contentPart>
           </mc:Choice>
-          <mc:Fallback>
+          <mc:Fallback xmlns="">
             <p:pic>
               <p:nvPicPr>
                 <p:cNvPr id="330" name="筆跡 329">
@@ -15119,8 +15122,8 @@
             </p:pic>
           </mc:Fallback>
         </mc:AlternateContent>
-        <mc:AlternateContent xmlns:mc="http://schemas.openxmlformats.org/markup-compatibility/2006">
-          <mc:Choice xmlns:p14="http://schemas.microsoft.com/office/powerpoint/2010/main" Requires="p14">
+        <mc:AlternateContent xmlns:mc="http://schemas.openxmlformats.org/markup-compatibility/2006" xmlns:p14="http://schemas.microsoft.com/office/powerpoint/2010/main">
+          <mc:Choice Requires="p14">
             <p:contentPart p14:bwMode="auto" r:id="rId288">
               <p14:nvContentPartPr>
                 <p14:cNvPr id="331" name="筆跡 330">
@@ -15139,7 +15142,7 @@
               </p14:xfrm>
             </p:contentPart>
           </mc:Choice>
-          <mc:Fallback>
+          <mc:Fallback xmlns="">
             <p:pic>
               <p:nvPicPr>
                 <p:cNvPr id="331" name="筆跡 330">
@@ -15170,8 +15173,8 @@
             </p:pic>
           </mc:Fallback>
         </mc:AlternateContent>
-        <mc:AlternateContent xmlns:mc="http://schemas.openxmlformats.org/markup-compatibility/2006">
-          <mc:Choice xmlns:p14="http://schemas.microsoft.com/office/powerpoint/2010/main" Requires="p14">
+        <mc:AlternateContent xmlns:mc="http://schemas.openxmlformats.org/markup-compatibility/2006" xmlns:p14="http://schemas.microsoft.com/office/powerpoint/2010/main">
+          <mc:Choice Requires="p14">
             <p:contentPart p14:bwMode="auto" r:id="rId290">
               <p14:nvContentPartPr>
                 <p14:cNvPr id="332" name="筆跡 331">
@@ -15190,7 +15193,7 @@
               </p14:xfrm>
             </p:contentPart>
           </mc:Choice>
-          <mc:Fallback>
+          <mc:Fallback xmlns="">
             <p:pic>
               <p:nvPicPr>
                 <p:cNvPr id="332" name="筆跡 331">
@@ -15221,8 +15224,8 @@
             </p:pic>
           </mc:Fallback>
         </mc:AlternateContent>
-        <mc:AlternateContent xmlns:mc="http://schemas.openxmlformats.org/markup-compatibility/2006">
-          <mc:Choice xmlns:p14="http://schemas.microsoft.com/office/powerpoint/2010/main" Requires="p14">
+        <mc:AlternateContent xmlns:mc="http://schemas.openxmlformats.org/markup-compatibility/2006" xmlns:p14="http://schemas.microsoft.com/office/powerpoint/2010/main">
+          <mc:Choice Requires="p14">
             <p:contentPart p14:bwMode="auto" r:id="rId292">
               <p14:nvContentPartPr>
                 <p14:cNvPr id="333" name="筆跡 332">
@@ -15241,7 +15244,7 @@
               </p14:xfrm>
             </p:contentPart>
           </mc:Choice>
-          <mc:Fallback>
+          <mc:Fallback xmlns="">
             <p:pic>
               <p:nvPicPr>
                 <p:cNvPr id="333" name="筆跡 332">
@@ -15272,8 +15275,8 @@
             </p:pic>
           </mc:Fallback>
         </mc:AlternateContent>
-        <mc:AlternateContent xmlns:mc="http://schemas.openxmlformats.org/markup-compatibility/2006">
-          <mc:Choice xmlns:p14="http://schemas.microsoft.com/office/powerpoint/2010/main" Requires="p14">
+        <mc:AlternateContent xmlns:mc="http://schemas.openxmlformats.org/markup-compatibility/2006" xmlns:p14="http://schemas.microsoft.com/office/powerpoint/2010/main">
+          <mc:Choice Requires="p14">
             <p:contentPart p14:bwMode="auto" r:id="rId294">
               <p14:nvContentPartPr>
                 <p14:cNvPr id="334" name="筆跡 333">
@@ -15292,7 +15295,7 @@
               </p14:xfrm>
             </p:contentPart>
           </mc:Choice>
-          <mc:Fallback>
+          <mc:Fallback xmlns="">
             <p:pic>
               <p:nvPicPr>
                 <p:cNvPr id="334" name="筆跡 333">
@@ -15323,8 +15326,8 @@
             </p:pic>
           </mc:Fallback>
         </mc:AlternateContent>
-        <mc:AlternateContent xmlns:mc="http://schemas.openxmlformats.org/markup-compatibility/2006">
-          <mc:Choice xmlns:p14="http://schemas.microsoft.com/office/powerpoint/2010/main" Requires="p14">
+        <mc:AlternateContent xmlns:mc="http://schemas.openxmlformats.org/markup-compatibility/2006" xmlns:p14="http://schemas.microsoft.com/office/powerpoint/2010/main">
+          <mc:Choice Requires="p14">
             <p:contentPart p14:bwMode="auto" r:id="rId296">
               <p14:nvContentPartPr>
                 <p14:cNvPr id="335" name="筆跡 334">
@@ -15343,7 +15346,7 @@
               </p14:xfrm>
             </p:contentPart>
           </mc:Choice>
-          <mc:Fallback>
+          <mc:Fallback xmlns="">
             <p:pic>
               <p:nvPicPr>
                 <p:cNvPr id="335" name="筆跡 334">
@@ -15374,8 +15377,8 @@
             </p:pic>
           </mc:Fallback>
         </mc:AlternateContent>
-        <mc:AlternateContent xmlns:mc="http://schemas.openxmlformats.org/markup-compatibility/2006">
-          <mc:Choice xmlns:p14="http://schemas.microsoft.com/office/powerpoint/2010/main" Requires="p14">
+        <mc:AlternateContent xmlns:mc="http://schemas.openxmlformats.org/markup-compatibility/2006" xmlns:p14="http://schemas.microsoft.com/office/powerpoint/2010/main">
+          <mc:Choice Requires="p14">
             <p:contentPart p14:bwMode="auto" r:id="rId298">
               <p14:nvContentPartPr>
                 <p14:cNvPr id="336" name="筆跡 335">
@@ -15394,7 +15397,7 @@
               </p14:xfrm>
             </p:contentPart>
           </mc:Choice>
-          <mc:Fallback>
+          <mc:Fallback xmlns="">
             <p:pic>
               <p:nvPicPr>
                 <p:cNvPr id="336" name="筆跡 335">
@@ -15425,8 +15428,8 @@
             </p:pic>
           </mc:Fallback>
         </mc:AlternateContent>
-        <mc:AlternateContent xmlns:mc="http://schemas.openxmlformats.org/markup-compatibility/2006">
-          <mc:Choice xmlns:p14="http://schemas.microsoft.com/office/powerpoint/2010/main" Requires="p14">
+        <mc:AlternateContent xmlns:mc="http://schemas.openxmlformats.org/markup-compatibility/2006" xmlns:p14="http://schemas.microsoft.com/office/powerpoint/2010/main">
+          <mc:Choice Requires="p14">
             <p:contentPart p14:bwMode="auto" r:id="rId300">
               <p14:nvContentPartPr>
                 <p14:cNvPr id="337" name="筆跡 336">
@@ -15445,7 +15448,7 @@
               </p14:xfrm>
             </p:contentPart>
           </mc:Choice>
-          <mc:Fallback>
+          <mc:Fallback xmlns="">
             <p:pic>
               <p:nvPicPr>
                 <p:cNvPr id="337" name="筆跡 336">
@@ -15476,8 +15479,8 @@
             </p:pic>
           </mc:Fallback>
         </mc:AlternateContent>
-        <mc:AlternateContent xmlns:mc="http://schemas.openxmlformats.org/markup-compatibility/2006">
-          <mc:Choice xmlns:p14="http://schemas.microsoft.com/office/powerpoint/2010/main" Requires="p14">
+        <mc:AlternateContent xmlns:mc="http://schemas.openxmlformats.org/markup-compatibility/2006" xmlns:p14="http://schemas.microsoft.com/office/powerpoint/2010/main">
+          <mc:Choice Requires="p14">
             <p:contentPart p14:bwMode="auto" r:id="rId302">
               <p14:nvContentPartPr>
                 <p14:cNvPr id="338" name="筆跡 337">
@@ -15496,7 +15499,7 @@
               </p14:xfrm>
             </p:contentPart>
           </mc:Choice>
-          <mc:Fallback>
+          <mc:Fallback xmlns="">
             <p:pic>
               <p:nvPicPr>
                 <p:cNvPr id="338" name="筆跡 337">
@@ -15527,8 +15530,8 @@
             </p:pic>
           </mc:Fallback>
         </mc:AlternateContent>
-        <mc:AlternateContent xmlns:mc="http://schemas.openxmlformats.org/markup-compatibility/2006">
-          <mc:Choice xmlns:p14="http://schemas.microsoft.com/office/powerpoint/2010/main" Requires="p14">
+        <mc:AlternateContent xmlns:mc="http://schemas.openxmlformats.org/markup-compatibility/2006" xmlns:p14="http://schemas.microsoft.com/office/powerpoint/2010/main">
+          <mc:Choice Requires="p14">
             <p:contentPart p14:bwMode="auto" r:id="rId304">
               <p14:nvContentPartPr>
                 <p14:cNvPr id="339" name="筆跡 338">
@@ -15547,7 +15550,7 @@
               </p14:xfrm>
             </p:contentPart>
           </mc:Choice>
-          <mc:Fallback>
+          <mc:Fallback xmlns="">
             <p:pic>
               <p:nvPicPr>
                 <p:cNvPr id="339" name="筆跡 338">
@@ -15673,9 +15676,12 @@
           <a:p>
             <a:r>
               <a:rPr lang="en-US" altLang="zh-TW" dirty="0"/>
-              <a:t>HW4</a:t>
-            </a:r>
-            <a:endParaRPr lang="zh-TW" altLang="en-US" dirty="0"/>
+              <a:t>HW4-</a:t>
+            </a:r>
+            <a:r>
+              <a:rPr lang="zh-TW" altLang="en-US" dirty="0"/>
+              <a:t>乒乓</a:t>
+            </a:r>
           </a:p>
         </p:txBody>
       </p:sp>
@@ -15818,9 +15824,12 @@
           <a:p>
             <a:r>
               <a:rPr lang="en-US" altLang="zh-TW" dirty="0"/>
-              <a:t>HW4</a:t>
-            </a:r>
-            <a:endParaRPr lang="zh-TW" altLang="en-US" dirty="0"/>
+              <a:t>HW4-</a:t>
+            </a:r>
+            <a:r>
+              <a:rPr lang="zh-TW" altLang="en-US" dirty="0"/>
+              <a:t>乒乓</a:t>
+            </a:r>
           </a:p>
         </p:txBody>
       </p:sp>
@@ -16166,9 +16175,12 @@
           <a:p>
             <a:r>
               <a:rPr lang="en-US" altLang="zh-TW" dirty="0"/>
-              <a:t>HW4</a:t>
-            </a:r>
-            <a:endParaRPr lang="zh-TW" altLang="en-US" dirty="0"/>
+              <a:t>HW4-</a:t>
+            </a:r>
+            <a:r>
+              <a:rPr lang="zh-TW" altLang="en-US" dirty="0"/>
+              <a:t>乒乓</a:t>
+            </a:r>
           </a:p>
         </p:txBody>
       </p:sp>
@@ -16581,9 +16593,12 @@
           <a:p>
             <a:r>
               <a:rPr lang="en-US" altLang="zh-TW" dirty="0"/>
-              <a:t>HW4</a:t>
-            </a:r>
-            <a:endParaRPr lang="zh-TW" altLang="en-US" dirty="0"/>
+              <a:t>HW4-</a:t>
+            </a:r>
+            <a:r>
+              <a:rPr lang="zh-TW" altLang="en-US" dirty="0"/>
+              <a:t>乒乓</a:t>
+            </a:r>
           </a:p>
         </p:txBody>
       </p:sp>
@@ -17056,9 +17071,12 @@
           <a:p>
             <a:r>
               <a:rPr lang="en-US" altLang="zh-TW" dirty="0"/>
-              <a:t>HW4</a:t>
-            </a:r>
-            <a:endParaRPr lang="zh-TW" altLang="en-US" dirty="0"/>
+              <a:t>HW4-</a:t>
+            </a:r>
+            <a:r>
+              <a:rPr lang="zh-TW" altLang="en-US" dirty="0"/>
+              <a:t>乒乓</a:t>
+            </a:r>
           </a:p>
         </p:txBody>
       </p:sp>

--- a/HW4/HW4_pingpong.pptx
+++ b/HW4/HW4_pingpong.pptx
@@ -116,20 +116,6 @@
     </a:lvl9pPr>
   </p:defaultTextStyle>
   <p:extLst>
-    <p:ext uri="{521415D9-36F7-43E2-AB2F-B90AF26B5E84}">
-      <p14:sectionLst xmlns:p14="http://schemas.microsoft.com/office/powerpoint/2010/main">
-        <p14:section name="成果展示(2024/01/19)" id="{E604167D-6825-4B75-83EE-1BE2844D0DCA}">
-          <p14:sldIdLst>
-            <p14:sldId id="1359"/>
-            <p14:sldId id="1355"/>
-            <p14:sldId id="1354"/>
-            <p14:sldId id="1356"/>
-            <p14:sldId id="1357"/>
-            <p14:sldId id="1348"/>
-          </p14:sldIdLst>
-        </p14:section>
-      </p14:sectionLst>
-    </p:ext>
     <p:ext uri="{EFAFB233-063F-42B5-8137-9DF3F51BA10A}">
       <p15:sldGuideLst xmlns:p15="http://schemas.microsoft.com/office/powerpoint/2012/main"/>
     </p:ext>
